--- a/Презентация Parcot.pptx
+++ b/Презентация Parcot.pptx
@@ -5,24 +5,28 @@
     <p:sldMasterId id="2147483648" r:id="rId4"/>
   </p:sldMasterIdLst>
   <p:notesMasterIdLst>
-    <p:notesMasterId r:id="rId17"/>
+    <p:notesMasterId r:id="rId21"/>
   </p:notesMasterIdLst>
   <p:handoutMasterIdLst>
-    <p:handoutMasterId r:id="rId18"/>
+    <p:handoutMasterId r:id="rId22"/>
   </p:handoutMasterIdLst>
   <p:sldIdLst>
     <p:sldId id="342" r:id="rId5"/>
-    <p:sldId id="359" r:id="rId6"/>
-    <p:sldId id="373" r:id="rId7"/>
-    <p:sldId id="380" r:id="rId8"/>
-    <p:sldId id="381" r:id="rId9"/>
-    <p:sldId id="382" r:id="rId10"/>
-    <p:sldId id="379" r:id="rId11"/>
-    <p:sldId id="375" r:id="rId12"/>
-    <p:sldId id="376" r:id="rId13"/>
-    <p:sldId id="377" r:id="rId14"/>
-    <p:sldId id="378" r:id="rId15"/>
-    <p:sldId id="372" r:id="rId16"/>
+    <p:sldId id="384" r:id="rId6"/>
+    <p:sldId id="385" r:id="rId7"/>
+    <p:sldId id="389" r:id="rId8"/>
+    <p:sldId id="387" r:id="rId9"/>
+    <p:sldId id="388" r:id="rId10"/>
+    <p:sldId id="373" r:id="rId11"/>
+    <p:sldId id="380" r:id="rId12"/>
+    <p:sldId id="381" r:id="rId13"/>
+    <p:sldId id="386" r:id="rId14"/>
+    <p:sldId id="382" r:id="rId15"/>
+    <p:sldId id="383" r:id="rId16"/>
+    <p:sldId id="376" r:id="rId17"/>
+    <p:sldId id="379" r:id="rId18"/>
+    <p:sldId id="375" r:id="rId19"/>
+    <p:sldId id="372" r:id="rId20"/>
   </p:sldIdLst>
   <p:sldSz cx="12192000" cy="6858000"/>
   <p:notesSz cx="6858000" cy="9144000"/>
@@ -887,7 +891,7 @@
     </p:spTree>
     <p:extLst>
       <p:ext uri="{BB962C8B-B14F-4D97-AF65-F5344CB8AC3E}">
-        <p14:creationId xmlns:p14="http://schemas.microsoft.com/office/powerpoint/2010/main" val="712487217"/>
+        <p14:creationId xmlns:p14="http://schemas.microsoft.com/office/powerpoint/2010/main" val="1105042483"/>
       </p:ext>
     </p:extLst>
   </p:cSld>
@@ -982,7 +986,7 @@
     </p:spTree>
     <p:extLst>
       <p:ext uri="{BB962C8B-B14F-4D97-AF65-F5344CB8AC3E}">
-        <p14:creationId xmlns:p14="http://schemas.microsoft.com/office/powerpoint/2010/main" val="3765125580"/>
+        <p14:creationId xmlns:p14="http://schemas.microsoft.com/office/powerpoint/2010/main" val="3688846047"/>
       </p:ext>
     </p:extLst>
   </p:cSld>
@@ -1077,6 +1081,386 @@
     </p:spTree>
     <p:extLst>
       <p:ext uri="{BB962C8B-B14F-4D97-AF65-F5344CB8AC3E}">
+        <p14:creationId xmlns:p14="http://schemas.microsoft.com/office/powerpoint/2010/main" val="2716761455"/>
+      </p:ext>
+    </p:extLst>
+  </p:cSld>
+  <p:clrMapOvr>
+    <a:masterClrMapping/>
+  </p:clrMapOvr>
+</p:notes>
+</file>
+
+<file path=ppt/notesSlides/notesSlide13.xml><?xml version="1.0" encoding="utf-8"?>
+<p:notes xmlns:a="http://schemas.openxmlformats.org/drawingml/2006/main" xmlns:r="http://schemas.openxmlformats.org/officeDocument/2006/relationships" xmlns:p="http://schemas.openxmlformats.org/presentationml/2006/main">
+  <p:cSld>
+    <p:spTree>
+      <p:nvGrpSpPr>
+        <p:cNvPr id="1" name=""/>
+        <p:cNvGrpSpPr/>
+        <p:nvPr/>
+      </p:nvGrpSpPr>
+      <p:grpSpPr>
+        <a:xfrm>
+          <a:off x="0" y="0"/>
+          <a:ext cx="0" cy="0"/>
+          <a:chOff x="0" y="0"/>
+          <a:chExt cx="0" cy="0"/>
+        </a:xfrm>
+      </p:grpSpPr>
+      <p:sp>
+        <p:nvSpPr>
+          <p:cNvPr id="2" name="Образ слайда 1"/>
+          <p:cNvSpPr>
+            <a:spLocks noGrp="1" noRot="1" noChangeAspect="1"/>
+          </p:cNvSpPr>
+          <p:nvPr>
+            <p:ph type="sldImg"/>
+          </p:nvPr>
+        </p:nvSpPr>
+        <p:spPr/>
+      </p:sp>
+      <p:sp>
+        <p:nvSpPr>
+          <p:cNvPr id="3" name="Заметки 2"/>
+          <p:cNvSpPr>
+            <a:spLocks noGrp="1"/>
+          </p:cNvSpPr>
+          <p:nvPr>
+            <p:ph type="body" idx="1"/>
+          </p:nvPr>
+        </p:nvSpPr>
+        <p:spPr/>
+        <p:txBody>
+          <a:bodyPr rtlCol="0"/>
+          <a:lstStyle>
+            <a:defPPr>
+              <a:defRPr lang="ru-RU"/>
+            </a:defPPr>
+          </a:lstStyle>
+          <a:p>
+            <a:pPr rtl="0"/>
+            <a:endParaRPr lang="ru-RU" dirty="0"/>
+          </a:p>
+        </p:txBody>
+      </p:sp>
+      <p:sp>
+        <p:nvSpPr>
+          <p:cNvPr id="4" name="Номер слайда 3"/>
+          <p:cNvSpPr>
+            <a:spLocks noGrp="1"/>
+          </p:cNvSpPr>
+          <p:nvPr>
+            <p:ph type="sldNum" sz="quarter" idx="5"/>
+          </p:nvPr>
+        </p:nvSpPr>
+        <p:spPr/>
+        <p:txBody>
+          <a:bodyPr rtlCol="0"/>
+          <a:lstStyle>
+            <a:defPPr>
+              <a:defRPr lang="ru-RU"/>
+            </a:defPPr>
+          </a:lstStyle>
+          <a:p>
+            <a:pPr rtl="0"/>
+            <a:fld id="{DEF75CB5-5666-5049-9AE0-38EFD385C21E}" type="slidenum">
+              <a:rPr lang="ru-RU" smtClean="0"/>
+              <a:pPr rtl="0"/>
+              <a:t>13</a:t>
+            </a:fld>
+            <a:endParaRPr lang="ru-RU" dirty="0"/>
+          </a:p>
+        </p:txBody>
+      </p:sp>
+    </p:spTree>
+    <p:extLst>
+      <p:ext uri="{BB962C8B-B14F-4D97-AF65-F5344CB8AC3E}">
+        <p14:creationId xmlns:p14="http://schemas.microsoft.com/office/powerpoint/2010/main" val="2493029087"/>
+      </p:ext>
+    </p:extLst>
+  </p:cSld>
+  <p:clrMapOvr>
+    <a:masterClrMapping/>
+  </p:clrMapOvr>
+</p:notes>
+</file>
+
+<file path=ppt/notesSlides/notesSlide14.xml><?xml version="1.0" encoding="utf-8"?>
+<p:notes xmlns:a="http://schemas.openxmlformats.org/drawingml/2006/main" xmlns:r="http://schemas.openxmlformats.org/officeDocument/2006/relationships" xmlns:p="http://schemas.openxmlformats.org/presentationml/2006/main">
+  <p:cSld>
+    <p:spTree>
+      <p:nvGrpSpPr>
+        <p:cNvPr id="1" name=""/>
+        <p:cNvGrpSpPr/>
+        <p:nvPr/>
+      </p:nvGrpSpPr>
+      <p:grpSpPr>
+        <a:xfrm>
+          <a:off x="0" y="0"/>
+          <a:ext cx="0" cy="0"/>
+          <a:chOff x="0" y="0"/>
+          <a:chExt cx="0" cy="0"/>
+        </a:xfrm>
+      </p:grpSpPr>
+      <p:sp>
+        <p:nvSpPr>
+          <p:cNvPr id="2" name="Образ слайда 1"/>
+          <p:cNvSpPr>
+            <a:spLocks noGrp="1" noRot="1" noChangeAspect="1"/>
+          </p:cNvSpPr>
+          <p:nvPr>
+            <p:ph type="sldImg"/>
+          </p:nvPr>
+        </p:nvSpPr>
+        <p:spPr/>
+      </p:sp>
+      <p:sp>
+        <p:nvSpPr>
+          <p:cNvPr id="3" name="Заметки 2"/>
+          <p:cNvSpPr>
+            <a:spLocks noGrp="1"/>
+          </p:cNvSpPr>
+          <p:nvPr>
+            <p:ph type="body" idx="1"/>
+          </p:nvPr>
+        </p:nvSpPr>
+        <p:spPr/>
+        <p:txBody>
+          <a:bodyPr rtlCol="0"/>
+          <a:lstStyle>
+            <a:defPPr>
+              <a:defRPr lang="ru-RU"/>
+            </a:defPPr>
+          </a:lstStyle>
+          <a:p>
+            <a:pPr rtl="0"/>
+            <a:endParaRPr lang="ru-RU" dirty="0"/>
+          </a:p>
+        </p:txBody>
+      </p:sp>
+      <p:sp>
+        <p:nvSpPr>
+          <p:cNvPr id="4" name="Номер слайда 3"/>
+          <p:cNvSpPr>
+            <a:spLocks noGrp="1"/>
+          </p:cNvSpPr>
+          <p:nvPr>
+            <p:ph type="sldNum" sz="quarter" idx="5"/>
+          </p:nvPr>
+        </p:nvSpPr>
+        <p:spPr/>
+        <p:txBody>
+          <a:bodyPr rtlCol="0"/>
+          <a:lstStyle>
+            <a:defPPr>
+              <a:defRPr lang="ru-RU"/>
+            </a:defPPr>
+          </a:lstStyle>
+          <a:p>
+            <a:pPr rtl="0"/>
+            <a:fld id="{DEF75CB5-5666-5049-9AE0-38EFD385C21E}" type="slidenum">
+              <a:rPr lang="ru-RU" smtClean="0"/>
+              <a:pPr rtl="0"/>
+              <a:t>14</a:t>
+            </a:fld>
+            <a:endParaRPr lang="ru-RU" dirty="0"/>
+          </a:p>
+        </p:txBody>
+      </p:sp>
+    </p:spTree>
+    <p:extLst>
+      <p:ext uri="{BB962C8B-B14F-4D97-AF65-F5344CB8AC3E}">
+        <p14:creationId xmlns:p14="http://schemas.microsoft.com/office/powerpoint/2010/main" val="2637823501"/>
+      </p:ext>
+    </p:extLst>
+  </p:cSld>
+  <p:clrMapOvr>
+    <a:masterClrMapping/>
+  </p:clrMapOvr>
+</p:notes>
+</file>
+
+<file path=ppt/notesSlides/notesSlide15.xml><?xml version="1.0" encoding="utf-8"?>
+<p:notes xmlns:a="http://schemas.openxmlformats.org/drawingml/2006/main" xmlns:r="http://schemas.openxmlformats.org/officeDocument/2006/relationships" xmlns:p="http://schemas.openxmlformats.org/presentationml/2006/main">
+  <p:cSld>
+    <p:spTree>
+      <p:nvGrpSpPr>
+        <p:cNvPr id="1" name=""/>
+        <p:cNvGrpSpPr/>
+        <p:nvPr/>
+      </p:nvGrpSpPr>
+      <p:grpSpPr>
+        <a:xfrm>
+          <a:off x="0" y="0"/>
+          <a:ext cx="0" cy="0"/>
+          <a:chOff x="0" y="0"/>
+          <a:chExt cx="0" cy="0"/>
+        </a:xfrm>
+      </p:grpSpPr>
+      <p:sp>
+        <p:nvSpPr>
+          <p:cNvPr id="2" name="Образ слайда 1"/>
+          <p:cNvSpPr>
+            <a:spLocks noGrp="1" noRot="1" noChangeAspect="1"/>
+          </p:cNvSpPr>
+          <p:nvPr>
+            <p:ph type="sldImg"/>
+          </p:nvPr>
+        </p:nvSpPr>
+        <p:spPr/>
+      </p:sp>
+      <p:sp>
+        <p:nvSpPr>
+          <p:cNvPr id="3" name="Заметки 2"/>
+          <p:cNvSpPr>
+            <a:spLocks noGrp="1"/>
+          </p:cNvSpPr>
+          <p:nvPr>
+            <p:ph type="body" idx="1"/>
+          </p:nvPr>
+        </p:nvSpPr>
+        <p:spPr/>
+        <p:txBody>
+          <a:bodyPr rtlCol="0"/>
+          <a:lstStyle>
+            <a:defPPr>
+              <a:defRPr lang="ru-RU"/>
+            </a:defPPr>
+          </a:lstStyle>
+          <a:p>
+            <a:pPr rtl="0"/>
+            <a:endParaRPr lang="ru-RU" dirty="0"/>
+          </a:p>
+        </p:txBody>
+      </p:sp>
+      <p:sp>
+        <p:nvSpPr>
+          <p:cNvPr id="4" name="Номер слайда 3"/>
+          <p:cNvSpPr>
+            <a:spLocks noGrp="1"/>
+          </p:cNvSpPr>
+          <p:nvPr>
+            <p:ph type="sldNum" sz="quarter" idx="5"/>
+          </p:nvPr>
+        </p:nvSpPr>
+        <p:spPr/>
+        <p:txBody>
+          <a:bodyPr rtlCol="0"/>
+          <a:lstStyle>
+            <a:defPPr>
+              <a:defRPr lang="ru-RU"/>
+            </a:defPPr>
+          </a:lstStyle>
+          <a:p>
+            <a:pPr rtl="0"/>
+            <a:fld id="{DEF75CB5-5666-5049-9AE0-38EFD385C21E}" type="slidenum">
+              <a:rPr lang="ru-RU" smtClean="0"/>
+              <a:pPr rtl="0"/>
+              <a:t>15</a:t>
+            </a:fld>
+            <a:endParaRPr lang="ru-RU" dirty="0"/>
+          </a:p>
+        </p:txBody>
+      </p:sp>
+    </p:spTree>
+    <p:extLst>
+      <p:ext uri="{BB962C8B-B14F-4D97-AF65-F5344CB8AC3E}">
+        <p14:creationId xmlns:p14="http://schemas.microsoft.com/office/powerpoint/2010/main" val="2982522483"/>
+      </p:ext>
+    </p:extLst>
+  </p:cSld>
+  <p:clrMapOvr>
+    <a:masterClrMapping/>
+  </p:clrMapOvr>
+</p:notes>
+</file>
+
+<file path=ppt/notesSlides/notesSlide16.xml><?xml version="1.0" encoding="utf-8"?>
+<p:notes xmlns:a="http://schemas.openxmlformats.org/drawingml/2006/main" xmlns:r="http://schemas.openxmlformats.org/officeDocument/2006/relationships" xmlns:p="http://schemas.openxmlformats.org/presentationml/2006/main">
+  <p:cSld>
+    <p:spTree>
+      <p:nvGrpSpPr>
+        <p:cNvPr id="1" name=""/>
+        <p:cNvGrpSpPr/>
+        <p:nvPr/>
+      </p:nvGrpSpPr>
+      <p:grpSpPr>
+        <a:xfrm>
+          <a:off x="0" y="0"/>
+          <a:ext cx="0" cy="0"/>
+          <a:chOff x="0" y="0"/>
+          <a:chExt cx="0" cy="0"/>
+        </a:xfrm>
+      </p:grpSpPr>
+      <p:sp>
+        <p:nvSpPr>
+          <p:cNvPr id="2" name="Образ слайда 1"/>
+          <p:cNvSpPr>
+            <a:spLocks noGrp="1" noRot="1" noChangeAspect="1"/>
+          </p:cNvSpPr>
+          <p:nvPr>
+            <p:ph type="sldImg"/>
+          </p:nvPr>
+        </p:nvSpPr>
+        <p:spPr/>
+      </p:sp>
+      <p:sp>
+        <p:nvSpPr>
+          <p:cNvPr id="3" name="Заметки 2"/>
+          <p:cNvSpPr>
+            <a:spLocks noGrp="1"/>
+          </p:cNvSpPr>
+          <p:nvPr>
+            <p:ph type="body" idx="1"/>
+          </p:nvPr>
+        </p:nvSpPr>
+        <p:spPr/>
+        <p:txBody>
+          <a:bodyPr rtlCol="0"/>
+          <a:lstStyle>
+            <a:defPPr>
+              <a:defRPr lang="ru-RU"/>
+            </a:defPPr>
+          </a:lstStyle>
+          <a:p>
+            <a:pPr rtl="0"/>
+            <a:endParaRPr lang="ru-RU" dirty="0"/>
+          </a:p>
+        </p:txBody>
+      </p:sp>
+      <p:sp>
+        <p:nvSpPr>
+          <p:cNvPr id="4" name="Номер слайда 3"/>
+          <p:cNvSpPr>
+            <a:spLocks noGrp="1"/>
+          </p:cNvSpPr>
+          <p:nvPr>
+            <p:ph type="sldNum" sz="quarter" idx="5"/>
+          </p:nvPr>
+        </p:nvSpPr>
+        <p:spPr/>
+        <p:txBody>
+          <a:bodyPr rtlCol="0"/>
+          <a:lstStyle>
+            <a:defPPr>
+              <a:defRPr lang="ru-RU"/>
+            </a:defPPr>
+          </a:lstStyle>
+          <a:p>
+            <a:pPr rtl="0"/>
+            <a:fld id="{DEF75CB5-5666-5049-9AE0-38EFD385C21E}" type="slidenum">
+              <a:rPr lang="ru-RU" smtClean="0"/>
+              <a:pPr rtl="0"/>
+              <a:t>16</a:t>
+            </a:fld>
+            <a:endParaRPr lang="ru-RU" dirty="0"/>
+          </a:p>
+        </p:txBody>
+      </p:sp>
+    </p:spTree>
+    <p:extLst>
+      <p:ext uri="{BB962C8B-B14F-4D97-AF65-F5344CB8AC3E}">
         <p14:creationId xmlns:p14="http://schemas.microsoft.com/office/powerpoint/2010/main" val="4167890113"/>
       </p:ext>
     </p:extLst>
@@ -1088,6 +1472,101 @@
 </file>
 
 <file path=ppt/notesSlides/notesSlide2.xml><?xml version="1.0" encoding="utf-8"?>
+<p:notes xmlns:a="http://schemas.openxmlformats.org/drawingml/2006/main" xmlns:r="http://schemas.openxmlformats.org/officeDocument/2006/relationships" xmlns:p="http://schemas.openxmlformats.org/presentationml/2006/main">
+  <p:cSld>
+    <p:spTree>
+      <p:nvGrpSpPr>
+        <p:cNvPr id="1" name=""/>
+        <p:cNvGrpSpPr/>
+        <p:nvPr/>
+      </p:nvGrpSpPr>
+      <p:grpSpPr>
+        <a:xfrm>
+          <a:off x="0" y="0"/>
+          <a:ext cx="0" cy="0"/>
+          <a:chOff x="0" y="0"/>
+          <a:chExt cx="0" cy="0"/>
+        </a:xfrm>
+      </p:grpSpPr>
+      <p:sp>
+        <p:nvSpPr>
+          <p:cNvPr id="2" name="Образ слайда 1"/>
+          <p:cNvSpPr>
+            <a:spLocks noGrp="1" noRot="1" noChangeAspect="1"/>
+          </p:cNvSpPr>
+          <p:nvPr>
+            <p:ph type="sldImg"/>
+          </p:nvPr>
+        </p:nvSpPr>
+        <p:spPr/>
+      </p:sp>
+      <p:sp>
+        <p:nvSpPr>
+          <p:cNvPr id="3" name="Заметки 2"/>
+          <p:cNvSpPr>
+            <a:spLocks noGrp="1"/>
+          </p:cNvSpPr>
+          <p:nvPr>
+            <p:ph type="body" idx="1"/>
+          </p:nvPr>
+        </p:nvSpPr>
+        <p:spPr/>
+        <p:txBody>
+          <a:bodyPr rtlCol="0"/>
+          <a:lstStyle>
+            <a:defPPr>
+              <a:defRPr lang="ru-RU"/>
+            </a:defPPr>
+          </a:lstStyle>
+          <a:p>
+            <a:pPr rtl="0"/>
+            <a:endParaRPr lang="ru-RU" dirty="0"/>
+          </a:p>
+        </p:txBody>
+      </p:sp>
+      <p:sp>
+        <p:nvSpPr>
+          <p:cNvPr id="4" name="Номер слайда 3"/>
+          <p:cNvSpPr>
+            <a:spLocks noGrp="1"/>
+          </p:cNvSpPr>
+          <p:nvPr>
+            <p:ph type="sldNum" sz="quarter" idx="5"/>
+          </p:nvPr>
+        </p:nvSpPr>
+        <p:spPr/>
+        <p:txBody>
+          <a:bodyPr rtlCol="0"/>
+          <a:lstStyle>
+            <a:defPPr>
+              <a:defRPr lang="ru-RU"/>
+            </a:defPPr>
+          </a:lstStyle>
+          <a:p>
+            <a:pPr rtl="0"/>
+            <a:fld id="{DEF75CB5-5666-5049-9AE0-38EFD385C21E}" type="slidenum">
+              <a:rPr lang="ru-RU" smtClean="0"/>
+              <a:pPr rtl="0"/>
+              <a:t>2</a:t>
+            </a:fld>
+            <a:endParaRPr lang="ru-RU" dirty="0"/>
+          </a:p>
+        </p:txBody>
+      </p:sp>
+    </p:spTree>
+    <p:extLst>
+      <p:ext uri="{BB962C8B-B14F-4D97-AF65-F5344CB8AC3E}">
+        <p14:creationId xmlns:p14="http://schemas.microsoft.com/office/powerpoint/2010/main" val="139456422"/>
+      </p:ext>
+    </p:extLst>
+  </p:cSld>
+  <p:clrMapOvr>
+    <a:masterClrMapping/>
+  </p:clrMapOvr>
+</p:notes>
+</file>
+
+<file path=ppt/notesSlides/notesSlide3.xml><?xml version="1.0" encoding="utf-8"?>
 <p:notes xmlns:a="http://schemas.openxmlformats.org/drawingml/2006/main" xmlns:r="http://schemas.openxmlformats.org/officeDocument/2006/relationships" xmlns:p="http://schemas.openxmlformats.org/presentationml/2006/main">
   <p:cSld>
     <p:spTree>
@@ -1208,7 +1687,7 @@
                 <a:tabLst/>
                 <a:defRPr lang="ru-RU"/>
               </a:pPr>
-              <a:t>2</a:t>
+              <a:t>3</a:t>
             </a:fld>
             <a:endParaRPr kumimoji="0" lang="ru-RU" sz="1200" b="0" i="0" u="none" strike="noStrike" kern="1200" cap="none" spc="0" normalizeH="0" baseline="0" noProof="0" dirty="0">
               <a:ln>
@@ -1230,102 +1709,7 @@
     </p:spTree>
     <p:extLst>
       <p:ext uri="{BB962C8B-B14F-4D97-AF65-F5344CB8AC3E}">
-        <p14:creationId xmlns:p14="http://schemas.microsoft.com/office/powerpoint/2010/main" val="2702673861"/>
-      </p:ext>
-    </p:extLst>
-  </p:cSld>
-  <p:clrMapOvr>
-    <a:masterClrMapping/>
-  </p:clrMapOvr>
-</p:notes>
-</file>
-
-<file path=ppt/notesSlides/notesSlide3.xml><?xml version="1.0" encoding="utf-8"?>
-<p:notes xmlns:a="http://schemas.openxmlformats.org/drawingml/2006/main" xmlns:r="http://schemas.openxmlformats.org/officeDocument/2006/relationships" xmlns:p="http://schemas.openxmlformats.org/presentationml/2006/main">
-  <p:cSld>
-    <p:spTree>
-      <p:nvGrpSpPr>
-        <p:cNvPr id="1" name=""/>
-        <p:cNvGrpSpPr/>
-        <p:nvPr/>
-      </p:nvGrpSpPr>
-      <p:grpSpPr>
-        <a:xfrm>
-          <a:off x="0" y="0"/>
-          <a:ext cx="0" cy="0"/>
-          <a:chOff x="0" y="0"/>
-          <a:chExt cx="0" cy="0"/>
-        </a:xfrm>
-      </p:grpSpPr>
-      <p:sp>
-        <p:nvSpPr>
-          <p:cNvPr id="2" name="Образ слайда 1"/>
-          <p:cNvSpPr>
-            <a:spLocks noGrp="1" noRot="1" noChangeAspect="1"/>
-          </p:cNvSpPr>
-          <p:nvPr>
-            <p:ph type="sldImg"/>
-          </p:nvPr>
-        </p:nvSpPr>
-        <p:spPr/>
-      </p:sp>
-      <p:sp>
-        <p:nvSpPr>
-          <p:cNvPr id="3" name="Заметки 2"/>
-          <p:cNvSpPr>
-            <a:spLocks noGrp="1"/>
-          </p:cNvSpPr>
-          <p:nvPr>
-            <p:ph type="body" idx="1"/>
-          </p:nvPr>
-        </p:nvSpPr>
-        <p:spPr/>
-        <p:txBody>
-          <a:bodyPr rtlCol="0"/>
-          <a:lstStyle>
-            <a:defPPr>
-              <a:defRPr lang="ru-RU"/>
-            </a:defPPr>
-          </a:lstStyle>
-          <a:p>
-            <a:pPr rtl="0"/>
-            <a:endParaRPr lang="ru-RU" dirty="0"/>
-          </a:p>
-        </p:txBody>
-      </p:sp>
-      <p:sp>
-        <p:nvSpPr>
-          <p:cNvPr id="4" name="Номер слайда 3"/>
-          <p:cNvSpPr>
-            <a:spLocks noGrp="1"/>
-          </p:cNvSpPr>
-          <p:nvPr>
-            <p:ph type="sldNum" sz="quarter" idx="5"/>
-          </p:nvPr>
-        </p:nvSpPr>
-        <p:spPr/>
-        <p:txBody>
-          <a:bodyPr rtlCol="0"/>
-          <a:lstStyle>
-            <a:defPPr>
-              <a:defRPr lang="ru-RU"/>
-            </a:defPPr>
-          </a:lstStyle>
-          <a:p>
-            <a:pPr rtl="0"/>
-            <a:fld id="{DEF75CB5-5666-5049-9AE0-38EFD385C21E}" type="slidenum">
-              <a:rPr lang="ru-RU" smtClean="0"/>
-              <a:pPr rtl="0"/>
-              <a:t>3</a:t>
-            </a:fld>
-            <a:endParaRPr lang="ru-RU" dirty="0"/>
-          </a:p>
-        </p:txBody>
-      </p:sp>
-    </p:spTree>
-    <p:extLst>
-      <p:ext uri="{BB962C8B-B14F-4D97-AF65-F5344CB8AC3E}">
-        <p14:creationId xmlns:p14="http://schemas.microsoft.com/office/powerpoint/2010/main" val="1860164103"/>
+        <p14:creationId xmlns:p14="http://schemas.microsoft.com/office/powerpoint/2010/main" val="1162597620"/>
       </p:ext>
     </p:extLst>
   </p:cSld>
@@ -1407,20 +1791,78 @@
             </a:defPPr>
           </a:lstStyle>
           <a:p>
-            <a:pPr rtl="0"/>
+            <a:pPr marL="0" marR="0" lvl="0" indent="0" algn="r" defTabSz="914400" rtl="0" eaLnBrk="1" fontAlgn="auto" latinLnBrk="0" hangingPunct="1">
+              <a:lnSpc>
+                <a:spcPct val="100000"/>
+              </a:lnSpc>
+              <a:spcBef>
+                <a:spcPts val="0"/>
+              </a:spcBef>
+              <a:spcAft>
+                <a:spcPts val="0"/>
+              </a:spcAft>
+              <a:buClrTx/>
+              <a:buSzTx/>
+              <a:buFontTx/>
+              <a:buNone/>
+              <a:tabLst/>
+              <a:defRPr lang="ru-RU"/>
+            </a:pPr>
             <a:fld id="{DEF75CB5-5666-5049-9AE0-38EFD385C21E}" type="slidenum">
-              <a:rPr lang="ru-RU" smtClean="0"/>
-              <a:pPr rtl="0"/>
+              <a:rPr kumimoji="0" lang="ru-RU" sz="1200" b="0" i="0" u="none" strike="noStrike" kern="1200" cap="none" spc="0" normalizeH="0" baseline="0" noProof="0" smtClean="0">
+                <a:ln>
+                  <a:noFill/>
+                </a:ln>
+                <a:solidFill>
+                  <a:prstClr val="black"/>
+                </a:solidFill>
+                <a:effectLst/>
+                <a:uLnTx/>
+                <a:uFillTx/>
+                <a:latin typeface="Calibri" panose="020F0502020204030204"/>
+                <a:ea typeface="+mn-ea"/>
+                <a:cs typeface="+mn-cs"/>
+              </a:rPr>
+              <a:pPr marL="0" marR="0" lvl="0" indent="0" algn="r" defTabSz="914400" rtl="0" eaLnBrk="1" fontAlgn="auto" latinLnBrk="0" hangingPunct="1">
+                <a:lnSpc>
+                  <a:spcPct val="100000"/>
+                </a:lnSpc>
+                <a:spcBef>
+                  <a:spcPts val="0"/>
+                </a:spcBef>
+                <a:spcAft>
+                  <a:spcPts val="0"/>
+                </a:spcAft>
+                <a:buClrTx/>
+                <a:buSzTx/>
+                <a:buFontTx/>
+                <a:buNone/>
+                <a:tabLst/>
+                <a:defRPr lang="ru-RU"/>
+              </a:pPr>
               <a:t>4</a:t>
             </a:fld>
-            <a:endParaRPr lang="ru-RU" dirty="0"/>
+            <a:endParaRPr kumimoji="0" lang="ru-RU" sz="1200" b="0" i="0" u="none" strike="noStrike" kern="1200" cap="none" spc="0" normalizeH="0" baseline="0" noProof="0" dirty="0">
+              <a:ln>
+                <a:noFill/>
+              </a:ln>
+              <a:solidFill>
+                <a:prstClr val="black"/>
+              </a:solidFill>
+              <a:effectLst/>
+              <a:uLnTx/>
+              <a:uFillTx/>
+              <a:latin typeface="Calibri" panose="020F0502020204030204"/>
+              <a:ea typeface="+mn-ea"/>
+              <a:cs typeface="+mn-cs"/>
+            </a:endParaRPr>
           </a:p>
         </p:txBody>
       </p:sp>
     </p:spTree>
     <p:extLst>
       <p:ext uri="{BB962C8B-B14F-4D97-AF65-F5344CB8AC3E}">
-        <p14:creationId xmlns:p14="http://schemas.microsoft.com/office/powerpoint/2010/main" val="1921719781"/>
+        <p14:creationId xmlns:p14="http://schemas.microsoft.com/office/powerpoint/2010/main" val="3745925214"/>
       </p:ext>
     </p:extLst>
   </p:cSld>
@@ -1502,20 +1944,78 @@
             </a:defPPr>
           </a:lstStyle>
           <a:p>
-            <a:pPr rtl="0"/>
+            <a:pPr marL="0" marR="0" lvl="0" indent="0" algn="r" defTabSz="914400" rtl="0" eaLnBrk="1" fontAlgn="auto" latinLnBrk="0" hangingPunct="1">
+              <a:lnSpc>
+                <a:spcPct val="100000"/>
+              </a:lnSpc>
+              <a:spcBef>
+                <a:spcPts val="0"/>
+              </a:spcBef>
+              <a:spcAft>
+                <a:spcPts val="0"/>
+              </a:spcAft>
+              <a:buClrTx/>
+              <a:buSzTx/>
+              <a:buFontTx/>
+              <a:buNone/>
+              <a:tabLst/>
+              <a:defRPr lang="ru-RU"/>
+            </a:pPr>
             <a:fld id="{DEF75CB5-5666-5049-9AE0-38EFD385C21E}" type="slidenum">
-              <a:rPr lang="ru-RU" smtClean="0"/>
-              <a:pPr rtl="0"/>
+              <a:rPr kumimoji="0" lang="ru-RU" sz="1200" b="0" i="0" u="none" strike="noStrike" kern="1200" cap="none" spc="0" normalizeH="0" baseline="0" noProof="0" smtClean="0">
+                <a:ln>
+                  <a:noFill/>
+                </a:ln>
+                <a:solidFill>
+                  <a:prstClr val="black"/>
+                </a:solidFill>
+                <a:effectLst/>
+                <a:uLnTx/>
+                <a:uFillTx/>
+                <a:latin typeface="Calibri" panose="020F0502020204030204"/>
+                <a:ea typeface="+mn-ea"/>
+                <a:cs typeface="+mn-cs"/>
+              </a:rPr>
+              <a:pPr marL="0" marR="0" lvl="0" indent="0" algn="r" defTabSz="914400" rtl="0" eaLnBrk="1" fontAlgn="auto" latinLnBrk="0" hangingPunct="1">
+                <a:lnSpc>
+                  <a:spcPct val="100000"/>
+                </a:lnSpc>
+                <a:spcBef>
+                  <a:spcPts val="0"/>
+                </a:spcBef>
+                <a:spcAft>
+                  <a:spcPts val="0"/>
+                </a:spcAft>
+                <a:buClrTx/>
+                <a:buSzTx/>
+                <a:buFontTx/>
+                <a:buNone/>
+                <a:tabLst/>
+                <a:defRPr lang="ru-RU"/>
+              </a:pPr>
               <a:t>5</a:t>
             </a:fld>
-            <a:endParaRPr lang="ru-RU" dirty="0"/>
+            <a:endParaRPr kumimoji="0" lang="ru-RU" sz="1200" b="0" i="0" u="none" strike="noStrike" kern="1200" cap="none" spc="0" normalizeH="0" baseline="0" noProof="0" dirty="0">
+              <a:ln>
+                <a:noFill/>
+              </a:ln>
+              <a:solidFill>
+                <a:prstClr val="black"/>
+              </a:solidFill>
+              <a:effectLst/>
+              <a:uLnTx/>
+              <a:uFillTx/>
+              <a:latin typeface="Calibri" panose="020F0502020204030204"/>
+              <a:ea typeface="+mn-ea"/>
+              <a:cs typeface="+mn-cs"/>
+            </a:endParaRPr>
           </a:p>
         </p:txBody>
       </p:sp>
     </p:spTree>
     <p:extLst>
       <p:ext uri="{BB962C8B-B14F-4D97-AF65-F5344CB8AC3E}">
-        <p14:creationId xmlns:p14="http://schemas.microsoft.com/office/powerpoint/2010/main" val="165255995"/>
+        <p14:creationId xmlns:p14="http://schemas.microsoft.com/office/powerpoint/2010/main" val="544729912"/>
       </p:ext>
     </p:extLst>
   </p:cSld>
@@ -1597,20 +2097,78 @@
             </a:defPPr>
           </a:lstStyle>
           <a:p>
-            <a:pPr rtl="0"/>
+            <a:pPr marL="0" marR="0" lvl="0" indent="0" algn="r" defTabSz="914400" rtl="0" eaLnBrk="1" fontAlgn="auto" latinLnBrk="0" hangingPunct="1">
+              <a:lnSpc>
+                <a:spcPct val="100000"/>
+              </a:lnSpc>
+              <a:spcBef>
+                <a:spcPts val="0"/>
+              </a:spcBef>
+              <a:spcAft>
+                <a:spcPts val="0"/>
+              </a:spcAft>
+              <a:buClrTx/>
+              <a:buSzTx/>
+              <a:buFontTx/>
+              <a:buNone/>
+              <a:tabLst/>
+              <a:defRPr lang="ru-RU"/>
+            </a:pPr>
             <a:fld id="{DEF75CB5-5666-5049-9AE0-38EFD385C21E}" type="slidenum">
-              <a:rPr lang="ru-RU" smtClean="0"/>
-              <a:pPr rtl="0"/>
+              <a:rPr kumimoji="0" lang="ru-RU" sz="1200" b="0" i="0" u="none" strike="noStrike" kern="1200" cap="none" spc="0" normalizeH="0" baseline="0" noProof="0" smtClean="0">
+                <a:ln>
+                  <a:noFill/>
+                </a:ln>
+                <a:solidFill>
+                  <a:prstClr val="black"/>
+                </a:solidFill>
+                <a:effectLst/>
+                <a:uLnTx/>
+                <a:uFillTx/>
+                <a:latin typeface="Calibri" panose="020F0502020204030204"/>
+                <a:ea typeface="+mn-ea"/>
+                <a:cs typeface="+mn-cs"/>
+              </a:rPr>
+              <a:pPr marL="0" marR="0" lvl="0" indent="0" algn="r" defTabSz="914400" rtl="0" eaLnBrk="1" fontAlgn="auto" latinLnBrk="0" hangingPunct="1">
+                <a:lnSpc>
+                  <a:spcPct val="100000"/>
+                </a:lnSpc>
+                <a:spcBef>
+                  <a:spcPts val="0"/>
+                </a:spcBef>
+                <a:spcAft>
+                  <a:spcPts val="0"/>
+                </a:spcAft>
+                <a:buClrTx/>
+                <a:buSzTx/>
+                <a:buFontTx/>
+                <a:buNone/>
+                <a:tabLst/>
+                <a:defRPr lang="ru-RU"/>
+              </a:pPr>
               <a:t>6</a:t>
             </a:fld>
-            <a:endParaRPr lang="ru-RU" dirty="0"/>
+            <a:endParaRPr kumimoji="0" lang="ru-RU" sz="1200" b="0" i="0" u="none" strike="noStrike" kern="1200" cap="none" spc="0" normalizeH="0" baseline="0" noProof="0" dirty="0">
+              <a:ln>
+                <a:noFill/>
+              </a:ln>
+              <a:solidFill>
+                <a:prstClr val="black"/>
+              </a:solidFill>
+              <a:effectLst/>
+              <a:uLnTx/>
+              <a:uFillTx/>
+              <a:latin typeface="Calibri" panose="020F0502020204030204"/>
+              <a:ea typeface="+mn-ea"/>
+              <a:cs typeface="+mn-cs"/>
+            </a:endParaRPr>
           </a:p>
         </p:txBody>
       </p:sp>
     </p:spTree>
     <p:extLst>
       <p:ext uri="{BB962C8B-B14F-4D97-AF65-F5344CB8AC3E}">
-        <p14:creationId xmlns:p14="http://schemas.microsoft.com/office/powerpoint/2010/main" val="3688846047"/>
+        <p14:creationId xmlns:p14="http://schemas.microsoft.com/office/powerpoint/2010/main" val="233989627"/>
       </p:ext>
     </p:extLst>
   </p:cSld>
@@ -1705,7 +2263,7 @@
     </p:spTree>
     <p:extLst>
       <p:ext uri="{BB962C8B-B14F-4D97-AF65-F5344CB8AC3E}">
-        <p14:creationId xmlns:p14="http://schemas.microsoft.com/office/powerpoint/2010/main" val="2637823501"/>
+        <p14:creationId xmlns:p14="http://schemas.microsoft.com/office/powerpoint/2010/main" val="1860164103"/>
       </p:ext>
     </p:extLst>
   </p:cSld>
@@ -1800,7 +2358,7 @@
     </p:spTree>
     <p:extLst>
       <p:ext uri="{BB962C8B-B14F-4D97-AF65-F5344CB8AC3E}">
-        <p14:creationId xmlns:p14="http://schemas.microsoft.com/office/powerpoint/2010/main" val="2982522483"/>
+        <p14:creationId xmlns:p14="http://schemas.microsoft.com/office/powerpoint/2010/main" val="1921719781"/>
       </p:ext>
     </p:extLst>
   </p:cSld>
@@ -1895,7 +2453,7 @@
     </p:spTree>
     <p:extLst>
       <p:ext uri="{BB962C8B-B14F-4D97-AF65-F5344CB8AC3E}">
-        <p14:creationId xmlns:p14="http://schemas.microsoft.com/office/powerpoint/2010/main" val="2493029087"/>
+        <p14:creationId xmlns:p14="http://schemas.microsoft.com/office/powerpoint/2010/main" val="165255995"/>
       </p:ext>
     </p:extLst>
   </p:cSld>
@@ -10879,88 +11437,8 @@
             <a:pPr rtl="0"/>
             <a:r>
               <a:rPr lang="ru-RU" dirty="0"/>
-              <a:t>демонстрация</a:t>
+              <a:t>Добавление пользователя через «стук»</a:t>
             </a:r>
-          </a:p>
-        </p:txBody>
-      </p:sp>
-      <p:sp>
-        <p:nvSpPr>
-          <p:cNvPr id="3" name="Объект 2">
-            <a:extLst>
-              <a:ext uri="{FF2B5EF4-FFF2-40B4-BE49-F238E27FC236}">
-                <a16:creationId xmlns:a16="http://schemas.microsoft.com/office/drawing/2014/main" id="{1CF175D3-F3DC-695F-474B-346EDCA5D60F}"/>
-              </a:ext>
-            </a:extLst>
-          </p:cNvPr>
-          <p:cNvSpPr>
-            <a:spLocks noGrp="1"/>
-          </p:cNvSpPr>
-          <p:nvPr>
-            <p:ph sz="quarter" idx="35"/>
-          </p:nvPr>
-        </p:nvSpPr>
-        <p:spPr>
-          <a:xfrm>
-            <a:off x="807038" y="2465539"/>
-            <a:ext cx="3774587" cy="3723753"/>
-          </a:xfrm>
-        </p:spPr>
-        <p:txBody>
-          <a:bodyPr rtlCol="0"/>
-          <a:lstStyle>
-            <a:defPPr>
-              <a:defRPr lang="ru-RU"/>
-            </a:defPPr>
-          </a:lstStyle>
-          <a:p>
-            <a:pPr rtl="0">
-              <a:buNone/>
-            </a:pPr>
-            <a:r>
-              <a:rPr lang="en-US" dirty="0"/>
-              <a:t>QR</a:t>
-            </a:r>
-            <a:endParaRPr lang="ru-RU" dirty="0"/>
-          </a:p>
-        </p:txBody>
-      </p:sp>
-      <p:sp>
-        <p:nvSpPr>
-          <p:cNvPr id="4" name="Объект 3">
-            <a:extLst>
-              <a:ext uri="{FF2B5EF4-FFF2-40B4-BE49-F238E27FC236}">
-                <a16:creationId xmlns:a16="http://schemas.microsoft.com/office/drawing/2014/main" id="{3770D91C-D5C0-248C-26D3-DE7C7C72E632}"/>
-              </a:ext>
-            </a:extLst>
-          </p:cNvPr>
-          <p:cNvSpPr>
-            <a:spLocks noGrp="1"/>
-          </p:cNvSpPr>
-          <p:nvPr>
-            <p:ph sz="quarter" idx="36"/>
-          </p:nvPr>
-        </p:nvSpPr>
-        <p:spPr>
-          <a:xfrm>
-            <a:off x="4927600" y="2465539"/>
-            <a:ext cx="6315069" cy="3723753"/>
-          </a:xfrm>
-        </p:spPr>
-        <p:txBody>
-          <a:bodyPr rtlCol="0"/>
-          <a:lstStyle>
-            <a:defPPr>
-              <a:defRPr lang="ru-RU"/>
-            </a:defPPr>
-          </a:lstStyle>
-          <a:p>
-            <a:pPr rtl="0"/>
-            <a:r>
-              <a:rPr lang="en-US" dirty="0"/>
-              <a:t>-</a:t>
-            </a:r>
-            <a:endParaRPr lang="ru-RU" dirty="0"/>
           </a:p>
         </p:txBody>
       </p:sp>
@@ -11004,10 +11482,188 @@
           </a:p>
         </p:txBody>
       </p:sp>
+      <p:pic>
+        <p:nvPicPr>
+          <p:cNvPr id="6" name="Рисунок 5">
+            <a:extLst>
+              <a:ext uri="{FF2B5EF4-FFF2-40B4-BE49-F238E27FC236}">
+                <a16:creationId xmlns:a16="http://schemas.microsoft.com/office/drawing/2014/main" id="{906AE0D7-C791-4A18-BA30-11B9160BC40D}"/>
+              </a:ext>
+            </a:extLst>
+          </p:cNvPr>
+          <p:cNvPicPr>
+            <a:picLocks noChangeAspect="1"/>
+          </p:cNvPicPr>
+          <p:nvPr/>
+        </p:nvPicPr>
+        <p:blipFill>
+          <a:blip r:embed="rId3"/>
+          <a:stretch>
+            <a:fillRect/>
+          </a:stretch>
+        </p:blipFill>
+        <p:spPr>
+          <a:xfrm>
+            <a:off x="741680" y="2250753"/>
+            <a:ext cx="5896798" cy="1528976"/>
+          </a:xfrm>
+          <a:prstGeom prst="rect">
+            <a:avLst/>
+          </a:prstGeom>
+        </p:spPr>
+      </p:pic>
+      <p:pic>
+        <p:nvPicPr>
+          <p:cNvPr id="8" name="Рисунок 7">
+            <a:extLst>
+              <a:ext uri="{FF2B5EF4-FFF2-40B4-BE49-F238E27FC236}">
+                <a16:creationId xmlns:a16="http://schemas.microsoft.com/office/drawing/2014/main" id="{D12C32D9-8654-42E6-AA1A-2E4C2DABD0FD}"/>
+              </a:ext>
+            </a:extLst>
+          </p:cNvPr>
+          <p:cNvPicPr>
+            <a:picLocks noChangeAspect="1"/>
+          </p:cNvPicPr>
+          <p:nvPr/>
+        </p:nvPicPr>
+        <p:blipFill>
+          <a:blip r:embed="rId4"/>
+          <a:stretch>
+            <a:fillRect/>
+          </a:stretch>
+        </p:blipFill>
+        <p:spPr>
+          <a:xfrm>
+            <a:off x="2198878" y="3601444"/>
+            <a:ext cx="7048565" cy="1148860"/>
+          </a:xfrm>
+          <a:prstGeom prst="rect">
+            <a:avLst/>
+          </a:prstGeom>
+        </p:spPr>
+      </p:pic>
+      <p:pic>
+        <p:nvPicPr>
+          <p:cNvPr id="10" name="Рисунок 9">
+            <a:extLst>
+              <a:ext uri="{FF2B5EF4-FFF2-40B4-BE49-F238E27FC236}">
+                <a16:creationId xmlns:a16="http://schemas.microsoft.com/office/drawing/2014/main" id="{1D0496C7-43BD-4483-A52B-4A7D19F89179}"/>
+              </a:ext>
+            </a:extLst>
+          </p:cNvPr>
+          <p:cNvPicPr>
+            <a:picLocks noChangeAspect="1"/>
+          </p:cNvPicPr>
+          <p:nvPr/>
+        </p:nvPicPr>
+        <p:blipFill>
+          <a:blip r:embed="rId5"/>
+          <a:stretch>
+            <a:fillRect/>
+          </a:stretch>
+        </p:blipFill>
+        <p:spPr>
+          <a:xfrm>
+            <a:off x="5096722" y="4583926"/>
+            <a:ext cx="5702086" cy="1517069"/>
+          </a:xfrm>
+          <a:prstGeom prst="rect">
+            <a:avLst/>
+          </a:prstGeom>
+        </p:spPr>
+      </p:pic>
+      <p:sp>
+        <p:nvSpPr>
+          <p:cNvPr id="15" name="Стрелка: изогнутая вверх 14">
+            <a:extLst>
+              <a:ext uri="{FF2B5EF4-FFF2-40B4-BE49-F238E27FC236}">
+                <a16:creationId xmlns:a16="http://schemas.microsoft.com/office/drawing/2014/main" id="{8B31D5CF-31F8-43F1-A458-0985F4BDF4A4}"/>
+              </a:ext>
+            </a:extLst>
+          </p:cNvPr>
+          <p:cNvSpPr/>
+          <p:nvPr/>
+        </p:nvSpPr>
+        <p:spPr>
+          <a:xfrm flipV="1">
+            <a:off x="6908105" y="2736606"/>
+            <a:ext cx="970767" cy="434330"/>
+          </a:xfrm>
+          <a:prstGeom prst="bentUpArrow">
+            <a:avLst/>
+          </a:prstGeom>
+        </p:spPr>
+        <p:style>
+          <a:lnRef idx="2">
+            <a:schemeClr val="accent6"/>
+          </a:lnRef>
+          <a:fillRef idx="1">
+            <a:schemeClr val="lt1"/>
+          </a:fillRef>
+          <a:effectRef idx="0">
+            <a:schemeClr val="accent6"/>
+          </a:effectRef>
+          <a:fontRef idx="minor">
+            <a:schemeClr val="dk1"/>
+          </a:fontRef>
+        </p:style>
+        <p:txBody>
+          <a:bodyPr rtlCol="0" anchor="ctr"/>
+          <a:lstStyle/>
+          <a:p>
+            <a:pPr algn="ctr"/>
+            <a:endParaRPr lang="ru-RU"/>
+          </a:p>
+        </p:txBody>
+      </p:sp>
+      <p:sp>
+        <p:nvSpPr>
+          <p:cNvPr id="16" name="Стрелка: изогнутая вверх 15">
+            <a:extLst>
+              <a:ext uri="{FF2B5EF4-FFF2-40B4-BE49-F238E27FC236}">
+                <a16:creationId xmlns:a16="http://schemas.microsoft.com/office/drawing/2014/main" id="{17F9C0D9-7144-4476-81CE-06393140418B}"/>
+              </a:ext>
+            </a:extLst>
+          </p:cNvPr>
+          <p:cNvSpPr/>
+          <p:nvPr/>
+        </p:nvSpPr>
+        <p:spPr>
+          <a:xfrm flipV="1">
+            <a:off x="9640867" y="3875520"/>
+            <a:ext cx="970767" cy="434330"/>
+          </a:xfrm>
+          <a:prstGeom prst="bentUpArrow">
+            <a:avLst/>
+          </a:prstGeom>
+        </p:spPr>
+        <p:style>
+          <a:lnRef idx="2">
+            <a:schemeClr val="accent6"/>
+          </a:lnRef>
+          <a:fillRef idx="1">
+            <a:schemeClr val="lt1"/>
+          </a:fillRef>
+          <a:effectRef idx="0">
+            <a:schemeClr val="accent6"/>
+          </a:effectRef>
+          <a:fontRef idx="minor">
+            <a:schemeClr val="dk1"/>
+          </a:fontRef>
+        </p:style>
+        <p:txBody>
+          <a:bodyPr rtlCol="0" anchor="ctr"/>
+          <a:lstStyle/>
+          <a:p>
+            <a:pPr algn="ctr"/>
+            <a:endParaRPr lang="ru-RU"/>
+          </a:p>
+        </p:txBody>
+      </p:sp>
     </p:spTree>
     <p:extLst>
       <p:ext uri="{BB962C8B-B14F-4D97-AF65-F5344CB8AC3E}">
-        <p14:creationId xmlns:p14="http://schemas.microsoft.com/office/powerpoint/2010/main" val="2728059627"/>
+        <p14:creationId xmlns:p14="http://schemas.microsoft.com/office/powerpoint/2010/main" val="1536484031"/>
       </p:ext>
     </p:extLst>
   </p:cSld>
@@ -11036,10 +11692,54 @@
       </p:grpSpPr>
       <p:sp>
         <p:nvSpPr>
+          <p:cNvPr id="12" name="Прямоугольник 11">
+            <a:extLst>
+              <a:ext uri="{FF2B5EF4-FFF2-40B4-BE49-F238E27FC236}">
+                <a16:creationId xmlns:a16="http://schemas.microsoft.com/office/drawing/2014/main" id="{654F657A-65D2-46CF-943F-C94EDD2763E8}"/>
+              </a:ext>
+            </a:extLst>
+          </p:cNvPr>
+          <p:cNvSpPr/>
+          <p:nvPr/>
+        </p:nvSpPr>
+        <p:spPr>
+          <a:xfrm>
+            <a:off x="851770" y="2129425"/>
+            <a:ext cx="10390899" cy="4298093"/>
+          </a:xfrm>
+          <a:prstGeom prst="rect">
+            <a:avLst/>
+          </a:prstGeom>
+        </p:spPr>
+        <p:style>
+          <a:lnRef idx="2">
+            <a:schemeClr val="accent6"/>
+          </a:lnRef>
+          <a:fillRef idx="1">
+            <a:schemeClr val="lt1"/>
+          </a:fillRef>
+          <a:effectRef idx="0">
+            <a:schemeClr val="accent6"/>
+          </a:effectRef>
+          <a:fontRef idx="minor">
+            <a:schemeClr val="dk1"/>
+          </a:fontRef>
+        </p:style>
+        <p:txBody>
+          <a:bodyPr rtlCol="0" anchor="ctr"/>
+          <a:lstStyle/>
+          <a:p>
+            <a:pPr algn="ctr"/>
+            <a:endParaRPr lang="ru-RU"/>
+          </a:p>
+        </p:txBody>
+      </p:sp>
+      <p:sp>
+        <p:nvSpPr>
           <p:cNvPr id="2" name="Заголовок 1">
             <a:extLst>
               <a:ext uri="{FF2B5EF4-FFF2-40B4-BE49-F238E27FC236}">
-                <a16:creationId xmlns:a16="http://schemas.microsoft.com/office/drawing/2014/main" id="{D543EB8B-0AB9-7554-AEEA-E8D744959E9A}"/>
+                <a16:creationId xmlns:a16="http://schemas.microsoft.com/office/drawing/2014/main" id="{11883E06-8BEA-1DD3-D0D6-391C08880EBF}"/>
               </a:ext>
             </a:extLst>
           </p:cNvPr>
@@ -11052,8 +11752,8 @@
         </p:nvSpPr>
         <p:spPr>
           <a:xfrm>
-            <a:off x="6889627" y="173736"/>
-            <a:ext cx="4352662" cy="2203704"/>
+            <a:off x="741680" y="430482"/>
+            <a:ext cx="10500989" cy="1327464"/>
           </a:xfrm>
         </p:spPr>
         <p:txBody>
@@ -11064,92 +11764,20 @@
             </a:defPPr>
           </a:lstStyle>
           <a:p>
-            <a:pPr lvl="0" rtl="0"/>
-            <a:r>
-              <a:rPr lang="ru-RU" noProof="0" dirty="0"/>
-              <a:t>вопросы</a:t>
-            </a:r>
-          </a:p>
-        </p:txBody>
-      </p:sp>
-      <p:pic>
-        <p:nvPicPr>
-          <p:cNvPr id="6" name="Рисунок 5" descr="Сине-лиловая спираль">
-            <a:extLst>
-              <a:ext uri="{FF2B5EF4-FFF2-40B4-BE49-F238E27FC236}">
-                <a16:creationId xmlns:a16="http://schemas.microsoft.com/office/drawing/2014/main" id="{05B64636-376E-96D4-B550-D764B2C6A6A7}"/>
-              </a:ext>
-            </a:extLst>
-          </p:cNvPr>
-          <p:cNvPicPr>
-            <a:picLocks noGrp="1" noChangeAspect="1"/>
-          </p:cNvPicPr>
-          <p:nvPr>
-            <p:ph type="pic" sz="quarter" idx="37"/>
-          </p:nvPr>
-        </p:nvPicPr>
-        <p:blipFill rotWithShape="1">
-          <a:blip r:embed="rId3" cstate="screen">
-            <a:extLst>
-              <a:ext uri="{28A0092B-C50C-407E-A947-70E740481C1C}">
-                <a14:useLocalDpi xmlns:a14="http://schemas.microsoft.com/office/drawing/2010/main"/>
-              </a:ext>
-            </a:extLst>
-          </a:blip>
-          <a:srcRect t="202" b="202"/>
-          <a:stretch/>
-        </p:blipFill>
-        <p:spPr>
-          <a:xfrm>
-            <a:off x="336550" y="336550"/>
-            <a:ext cx="5303640" cy="6184900"/>
-          </a:xfrm>
-        </p:spPr>
-      </p:pic>
-      <p:sp>
-        <p:nvSpPr>
-          <p:cNvPr id="3" name="Объект 2">
-            <a:extLst>
-              <a:ext uri="{FF2B5EF4-FFF2-40B4-BE49-F238E27FC236}">
-                <a16:creationId xmlns:a16="http://schemas.microsoft.com/office/drawing/2014/main" id="{FB2F5F9A-B16D-CA49-7F40-A0142E41DC56}"/>
-              </a:ext>
-            </a:extLst>
-          </p:cNvPr>
-          <p:cNvSpPr>
-            <a:spLocks noGrp="1"/>
-          </p:cNvSpPr>
-          <p:nvPr>
-            <p:ph sz="quarter" idx="36"/>
-          </p:nvPr>
-        </p:nvSpPr>
-        <p:spPr>
-          <a:xfrm>
-            <a:off x="6889627" y="3104277"/>
-            <a:ext cx="4371560" cy="3022201"/>
-          </a:xfrm>
-        </p:spPr>
-        <p:txBody>
-          <a:bodyPr rtlCol="0"/>
-          <a:lstStyle>
-            <a:defPPr>
-              <a:defRPr lang="ru-RU"/>
-            </a:defPPr>
-          </a:lstStyle>
-          <a:p>
             <a:pPr rtl="0"/>
             <a:r>
               <a:rPr lang="ru-RU" dirty="0"/>
-              <a:t> </a:t>
+              <a:t>Функционал разграничения доступа</a:t>
             </a:r>
           </a:p>
         </p:txBody>
       </p:sp>
       <p:sp>
         <p:nvSpPr>
-          <p:cNvPr id="4" name="Номер слайда 3">
+          <p:cNvPr id="5" name="Номер слайда 4">
             <a:extLst>
               <a:ext uri="{FF2B5EF4-FFF2-40B4-BE49-F238E27FC236}">
-                <a16:creationId xmlns:a16="http://schemas.microsoft.com/office/drawing/2014/main" id="{921DB868-BEE2-49F7-9AC5-A3B143880250}"/>
+                <a16:creationId xmlns:a16="http://schemas.microsoft.com/office/drawing/2014/main" id="{E87B8B6A-2B28-5C38-80E7-0EBE705FFBBF}"/>
               </a:ext>
             </a:extLst>
           </p:cNvPr>
@@ -11184,10 +11812,310 @@
           </a:p>
         </p:txBody>
       </p:sp>
+      <p:pic>
+        <p:nvPicPr>
+          <p:cNvPr id="8" name="Рисунок 7">
+            <a:extLst>
+              <a:ext uri="{FF2B5EF4-FFF2-40B4-BE49-F238E27FC236}">
+                <a16:creationId xmlns:a16="http://schemas.microsoft.com/office/drawing/2014/main" id="{4148D09D-BA1B-4B8D-970B-F50378214C76}"/>
+              </a:ext>
+            </a:extLst>
+          </p:cNvPr>
+          <p:cNvPicPr>
+            <a:picLocks noChangeAspect="1"/>
+          </p:cNvPicPr>
+          <p:nvPr/>
+        </p:nvPicPr>
+        <p:blipFill>
+          <a:blip r:embed="rId3"/>
+          <a:stretch>
+            <a:fillRect/>
+          </a:stretch>
+        </p:blipFill>
+        <p:spPr>
+          <a:xfrm>
+            <a:off x="5289534" y="3356361"/>
+            <a:ext cx="974715" cy="974715"/>
+          </a:xfrm>
+          <a:prstGeom prst="rect">
+            <a:avLst/>
+          </a:prstGeom>
+        </p:spPr>
+      </p:pic>
+      <p:grpSp>
+        <p:nvGrpSpPr>
+          <p:cNvPr id="14" name="Группа 13">
+            <a:extLst>
+              <a:ext uri="{FF2B5EF4-FFF2-40B4-BE49-F238E27FC236}">
+                <a16:creationId xmlns:a16="http://schemas.microsoft.com/office/drawing/2014/main" id="{68324D16-8FF9-4A88-B99C-4BABEB0278B7}"/>
+              </a:ext>
+            </a:extLst>
+          </p:cNvPr>
+          <p:cNvGrpSpPr/>
+          <p:nvPr/>
+        </p:nvGrpSpPr>
+        <p:grpSpPr>
+          <a:xfrm>
+            <a:off x="2723207" y="3356362"/>
+            <a:ext cx="1422055" cy="974715"/>
+            <a:chOff x="2723207" y="3727842"/>
+            <a:chExt cx="1422055" cy="974715"/>
+          </a:xfrm>
+        </p:grpSpPr>
+        <p:pic>
+          <p:nvPicPr>
+            <p:cNvPr id="6" name="Рисунок 5">
+              <a:extLst>
+                <a:ext uri="{FF2B5EF4-FFF2-40B4-BE49-F238E27FC236}">
+                  <a16:creationId xmlns:a16="http://schemas.microsoft.com/office/drawing/2014/main" id="{9A12FE1B-70EF-457E-92D2-C248A0436B8D}"/>
+                </a:ext>
+              </a:extLst>
+            </p:cNvPr>
+            <p:cNvPicPr>
+              <a:picLocks noChangeAspect="1"/>
+            </p:cNvPicPr>
+            <p:nvPr/>
+          </p:nvPicPr>
+          <p:blipFill>
+            <a:blip r:embed="rId3"/>
+            <a:stretch>
+              <a:fillRect/>
+            </a:stretch>
+          </p:blipFill>
+          <p:spPr>
+            <a:xfrm>
+              <a:off x="3170547" y="3727842"/>
+              <a:ext cx="974715" cy="974715"/>
+            </a:xfrm>
+            <a:prstGeom prst="rect">
+              <a:avLst/>
+            </a:prstGeom>
+          </p:spPr>
+        </p:pic>
+        <p:pic>
+          <p:nvPicPr>
+            <p:cNvPr id="10" name="Рисунок 9">
+              <a:extLst>
+                <a:ext uri="{FF2B5EF4-FFF2-40B4-BE49-F238E27FC236}">
+                  <a16:creationId xmlns:a16="http://schemas.microsoft.com/office/drawing/2014/main" id="{D3F3E939-AC85-45EA-833D-658C0D086863}"/>
+                </a:ext>
+              </a:extLst>
+            </p:cNvPr>
+            <p:cNvPicPr>
+              <a:picLocks noChangeAspect="1"/>
+            </p:cNvPicPr>
+            <p:nvPr/>
+          </p:nvPicPr>
+          <p:blipFill>
+            <a:blip r:embed="rId4"/>
+            <a:stretch>
+              <a:fillRect/>
+            </a:stretch>
+          </p:blipFill>
+          <p:spPr>
+            <a:xfrm>
+              <a:off x="2723207" y="4007667"/>
+              <a:ext cx="694890" cy="694890"/>
+            </a:xfrm>
+            <a:prstGeom prst="rect">
+              <a:avLst/>
+            </a:prstGeom>
+          </p:spPr>
+        </p:pic>
+      </p:grpSp>
+      <p:grpSp>
+        <p:nvGrpSpPr>
+          <p:cNvPr id="15" name="Группа 14">
+            <a:extLst>
+              <a:ext uri="{FF2B5EF4-FFF2-40B4-BE49-F238E27FC236}">
+                <a16:creationId xmlns:a16="http://schemas.microsoft.com/office/drawing/2014/main" id="{3740A1E6-D207-4CEB-824B-47D6104F6736}"/>
+              </a:ext>
+            </a:extLst>
+          </p:cNvPr>
+          <p:cNvGrpSpPr/>
+          <p:nvPr/>
+        </p:nvGrpSpPr>
+        <p:grpSpPr>
+          <a:xfrm>
+            <a:off x="7408521" y="3356362"/>
+            <a:ext cx="1295466" cy="1346194"/>
+            <a:chOff x="7408521" y="3727842"/>
+            <a:chExt cx="1295466" cy="1346194"/>
+          </a:xfrm>
+        </p:grpSpPr>
+        <p:pic>
+          <p:nvPicPr>
+            <p:cNvPr id="9" name="Рисунок 8">
+              <a:extLst>
+                <a:ext uri="{FF2B5EF4-FFF2-40B4-BE49-F238E27FC236}">
+                  <a16:creationId xmlns:a16="http://schemas.microsoft.com/office/drawing/2014/main" id="{F0C0486A-8001-431F-96DA-EE1738A840A0}"/>
+                </a:ext>
+              </a:extLst>
+            </p:cNvPr>
+            <p:cNvPicPr>
+              <a:picLocks noChangeAspect="1"/>
+            </p:cNvPicPr>
+            <p:nvPr/>
+          </p:nvPicPr>
+          <p:blipFill>
+            <a:blip r:embed="rId3"/>
+            <a:stretch>
+              <a:fillRect/>
+            </a:stretch>
+          </p:blipFill>
+          <p:spPr>
+            <a:xfrm>
+              <a:off x="7408521" y="3727842"/>
+              <a:ext cx="974715" cy="974715"/>
+            </a:xfrm>
+            <a:prstGeom prst="rect">
+              <a:avLst/>
+            </a:prstGeom>
+          </p:spPr>
+        </p:pic>
+        <p:pic>
+          <p:nvPicPr>
+            <p:cNvPr id="13" name="Рисунок 12">
+              <a:extLst>
+                <a:ext uri="{FF2B5EF4-FFF2-40B4-BE49-F238E27FC236}">
+                  <a16:creationId xmlns:a16="http://schemas.microsoft.com/office/drawing/2014/main" id="{FC815B73-58EF-4ADB-AABD-2EC6C7B93CBA}"/>
+                </a:ext>
+              </a:extLst>
+            </p:cNvPr>
+            <p:cNvPicPr>
+              <a:picLocks noChangeAspect="1"/>
+            </p:cNvPicPr>
+            <p:nvPr/>
+          </p:nvPicPr>
+          <p:blipFill>
+            <a:blip r:embed="rId5"/>
+            <a:stretch>
+              <a:fillRect/>
+            </a:stretch>
+          </p:blipFill>
+          <p:spPr>
+            <a:xfrm>
+              <a:off x="7972311" y="4342360"/>
+              <a:ext cx="731676" cy="731676"/>
+            </a:xfrm>
+            <a:prstGeom prst="rect">
+              <a:avLst/>
+            </a:prstGeom>
+          </p:spPr>
+        </p:pic>
+      </p:grpSp>
+      <p:sp>
+        <p:nvSpPr>
+          <p:cNvPr id="16" name="TextBox 15">
+            <a:extLst>
+              <a:ext uri="{FF2B5EF4-FFF2-40B4-BE49-F238E27FC236}">
+                <a16:creationId xmlns:a16="http://schemas.microsoft.com/office/drawing/2014/main" id="{BD45AC55-40E5-4FF4-8E9B-C03F3ADC609F}"/>
+              </a:ext>
+            </a:extLst>
+          </p:cNvPr>
+          <p:cNvSpPr txBox="1"/>
+          <p:nvPr/>
+        </p:nvSpPr>
+        <p:spPr>
+          <a:xfrm>
+            <a:off x="2651379" y="4918706"/>
+            <a:ext cx="2029217" cy="646331"/>
+          </a:xfrm>
+          <a:prstGeom prst="rect">
+            <a:avLst/>
+          </a:prstGeom>
+          <a:noFill/>
+        </p:spPr>
+        <p:txBody>
+          <a:bodyPr wrap="square" rtlCol="0">
+            <a:spAutoFit/>
+          </a:bodyPr>
+          <a:lstStyle/>
+          <a:p>
+            <a:pPr algn="ctr"/>
+            <a:r>
+              <a:rPr lang="ru-RU" dirty="0"/>
+              <a:t>Большой администратор</a:t>
+            </a:r>
+          </a:p>
+        </p:txBody>
+      </p:sp>
+      <p:sp>
+        <p:nvSpPr>
+          <p:cNvPr id="17" name="TextBox 16">
+            <a:extLst>
+              <a:ext uri="{FF2B5EF4-FFF2-40B4-BE49-F238E27FC236}">
+                <a16:creationId xmlns:a16="http://schemas.microsoft.com/office/drawing/2014/main" id="{602E369C-F6DC-4D32-998E-0A8029F5181D}"/>
+              </a:ext>
+            </a:extLst>
+          </p:cNvPr>
+          <p:cNvSpPr txBox="1"/>
+          <p:nvPr/>
+        </p:nvSpPr>
+        <p:spPr>
+          <a:xfrm>
+            <a:off x="4800100" y="4888386"/>
+            <a:ext cx="2029217" cy="646331"/>
+          </a:xfrm>
+          <a:prstGeom prst="rect">
+            <a:avLst/>
+          </a:prstGeom>
+          <a:noFill/>
+        </p:spPr>
+        <p:txBody>
+          <a:bodyPr wrap="square" rtlCol="0">
+            <a:spAutoFit/>
+          </a:bodyPr>
+          <a:lstStyle/>
+          <a:p>
+            <a:pPr algn="ctr"/>
+            <a:r>
+              <a:rPr lang="ru-RU" dirty="0"/>
+              <a:t>Малый администратор</a:t>
+            </a:r>
+          </a:p>
+        </p:txBody>
+      </p:sp>
+      <p:sp>
+        <p:nvSpPr>
+          <p:cNvPr id="18" name="TextBox 17">
+            <a:extLst>
+              <a:ext uri="{FF2B5EF4-FFF2-40B4-BE49-F238E27FC236}">
+                <a16:creationId xmlns:a16="http://schemas.microsoft.com/office/drawing/2014/main" id="{BCFC9212-D009-42B5-97FA-E58895016124}"/>
+              </a:ext>
+            </a:extLst>
+          </p:cNvPr>
+          <p:cNvSpPr txBox="1"/>
+          <p:nvPr/>
+        </p:nvSpPr>
+        <p:spPr>
+          <a:xfrm>
+            <a:off x="6881269" y="4936700"/>
+            <a:ext cx="2029217" cy="369332"/>
+          </a:xfrm>
+          <a:prstGeom prst="rect">
+            <a:avLst/>
+          </a:prstGeom>
+          <a:noFill/>
+        </p:spPr>
+        <p:txBody>
+          <a:bodyPr wrap="square" rtlCol="0">
+            <a:spAutoFit/>
+          </a:bodyPr>
+          <a:lstStyle/>
+          <a:p>
+            <a:pPr algn="ctr"/>
+            <a:r>
+              <a:rPr lang="ru-RU" dirty="0"/>
+              <a:t>Пользователь</a:t>
+            </a:r>
+          </a:p>
+        </p:txBody>
+      </p:sp>
     </p:spTree>
     <p:extLst>
       <p:ext uri="{BB962C8B-B14F-4D97-AF65-F5344CB8AC3E}">
-        <p14:creationId xmlns:p14="http://schemas.microsoft.com/office/powerpoint/2010/main" val="910315636"/>
+        <p14:creationId xmlns:p14="http://schemas.microsoft.com/office/powerpoint/2010/main" val="358683599"/>
       </p:ext>
     </p:extLst>
   </p:cSld>
@@ -11198,6 +12126,1348 @@
 </file>
 
 <file path=ppt/slides/slide12.xml><?xml version="1.0" encoding="utf-8"?>
+<p:sld xmlns:a="http://schemas.openxmlformats.org/drawingml/2006/main" xmlns:r="http://schemas.openxmlformats.org/officeDocument/2006/relationships" xmlns:p="http://schemas.openxmlformats.org/presentationml/2006/main">
+  <p:cSld>
+    <p:spTree>
+      <p:nvGrpSpPr>
+        <p:cNvPr id="1" name=""/>
+        <p:cNvGrpSpPr/>
+        <p:nvPr/>
+      </p:nvGrpSpPr>
+      <p:grpSpPr>
+        <a:xfrm>
+          <a:off x="0" y="0"/>
+          <a:ext cx="0" cy="0"/>
+          <a:chOff x="0" y="0"/>
+          <a:chExt cx="0" cy="0"/>
+        </a:xfrm>
+      </p:grpSpPr>
+      <p:sp>
+        <p:nvSpPr>
+          <p:cNvPr id="12" name="Прямоугольник 11">
+            <a:extLst>
+              <a:ext uri="{FF2B5EF4-FFF2-40B4-BE49-F238E27FC236}">
+                <a16:creationId xmlns:a16="http://schemas.microsoft.com/office/drawing/2014/main" id="{654F657A-65D2-46CF-943F-C94EDD2763E8}"/>
+              </a:ext>
+            </a:extLst>
+          </p:cNvPr>
+          <p:cNvSpPr/>
+          <p:nvPr/>
+        </p:nvSpPr>
+        <p:spPr>
+          <a:xfrm>
+            <a:off x="851770" y="2129425"/>
+            <a:ext cx="10390899" cy="4298093"/>
+          </a:xfrm>
+          <a:prstGeom prst="rect">
+            <a:avLst/>
+          </a:prstGeom>
+        </p:spPr>
+        <p:style>
+          <a:lnRef idx="2">
+            <a:schemeClr val="accent6"/>
+          </a:lnRef>
+          <a:fillRef idx="1">
+            <a:schemeClr val="lt1"/>
+          </a:fillRef>
+          <a:effectRef idx="0">
+            <a:schemeClr val="accent6"/>
+          </a:effectRef>
+          <a:fontRef idx="minor">
+            <a:schemeClr val="dk1"/>
+          </a:fontRef>
+        </p:style>
+        <p:txBody>
+          <a:bodyPr rtlCol="0" anchor="ctr"/>
+          <a:lstStyle/>
+          <a:p>
+            <a:pPr algn="ctr"/>
+            <a:endParaRPr lang="ru-RU"/>
+          </a:p>
+        </p:txBody>
+      </p:sp>
+      <p:sp>
+        <p:nvSpPr>
+          <p:cNvPr id="2" name="Заголовок 1">
+            <a:extLst>
+              <a:ext uri="{FF2B5EF4-FFF2-40B4-BE49-F238E27FC236}">
+                <a16:creationId xmlns:a16="http://schemas.microsoft.com/office/drawing/2014/main" id="{11883E06-8BEA-1DD3-D0D6-391C08880EBF}"/>
+              </a:ext>
+            </a:extLst>
+          </p:cNvPr>
+          <p:cNvSpPr>
+            <a:spLocks noGrp="1"/>
+          </p:cNvSpPr>
+          <p:nvPr>
+            <p:ph type="title"/>
+          </p:nvPr>
+        </p:nvSpPr>
+        <p:spPr>
+          <a:xfrm>
+            <a:off x="741680" y="430482"/>
+            <a:ext cx="10500989" cy="1327464"/>
+          </a:xfrm>
+        </p:spPr>
+        <p:txBody>
+          <a:bodyPr rtlCol="0"/>
+          <a:lstStyle>
+            <a:defPPr>
+              <a:defRPr lang="ru-RU"/>
+            </a:defPPr>
+          </a:lstStyle>
+          <a:p>
+            <a:pPr rtl="0"/>
+            <a:r>
+              <a:rPr lang="ru-RU" dirty="0"/>
+              <a:t>Функционал разграничения доступа</a:t>
+            </a:r>
+          </a:p>
+        </p:txBody>
+      </p:sp>
+      <p:sp>
+        <p:nvSpPr>
+          <p:cNvPr id="5" name="Номер слайда 4">
+            <a:extLst>
+              <a:ext uri="{FF2B5EF4-FFF2-40B4-BE49-F238E27FC236}">
+                <a16:creationId xmlns:a16="http://schemas.microsoft.com/office/drawing/2014/main" id="{E87B8B6A-2B28-5C38-80E7-0EBE705FFBBF}"/>
+              </a:ext>
+            </a:extLst>
+          </p:cNvPr>
+          <p:cNvSpPr>
+            <a:spLocks noGrp="1"/>
+          </p:cNvSpPr>
+          <p:nvPr>
+            <p:ph type="sldNum" sz="quarter" idx="12"/>
+          </p:nvPr>
+        </p:nvSpPr>
+        <p:spPr>
+          <a:xfrm>
+            <a:off x="9140971" y="6226198"/>
+            <a:ext cx="2743200" cy="365125"/>
+          </a:xfrm>
+        </p:spPr>
+        <p:txBody>
+          <a:bodyPr rtlCol="0"/>
+          <a:lstStyle>
+            <a:defPPr>
+              <a:defRPr lang="ru-RU"/>
+            </a:defPPr>
+          </a:lstStyle>
+          <a:p>
+            <a:pPr rtl="0"/>
+            <a:fld id="{FE024F78-56A6-7740-B68D-8D4D026EDF3F}" type="slidenum">
+              <a:rPr lang="ru-RU" smtClean="0"/>
+              <a:pPr rtl="0"/>
+              <a:t>12</a:t>
+            </a:fld>
+            <a:endParaRPr lang="ru-RU" dirty="0"/>
+          </a:p>
+        </p:txBody>
+      </p:sp>
+      <p:pic>
+        <p:nvPicPr>
+          <p:cNvPr id="8" name="Рисунок 7">
+            <a:extLst>
+              <a:ext uri="{FF2B5EF4-FFF2-40B4-BE49-F238E27FC236}">
+                <a16:creationId xmlns:a16="http://schemas.microsoft.com/office/drawing/2014/main" id="{4148D09D-BA1B-4B8D-970B-F50378214C76}"/>
+              </a:ext>
+            </a:extLst>
+          </p:cNvPr>
+          <p:cNvPicPr>
+            <a:picLocks noChangeAspect="1"/>
+          </p:cNvPicPr>
+          <p:nvPr/>
+        </p:nvPicPr>
+        <p:blipFill>
+          <a:blip r:embed="rId3"/>
+          <a:stretch>
+            <a:fillRect/>
+          </a:stretch>
+        </p:blipFill>
+        <p:spPr>
+          <a:xfrm>
+            <a:off x="3158656" y="2381648"/>
+            <a:ext cx="974715" cy="974715"/>
+          </a:xfrm>
+          <a:prstGeom prst="rect">
+            <a:avLst/>
+          </a:prstGeom>
+        </p:spPr>
+      </p:pic>
+      <p:grpSp>
+        <p:nvGrpSpPr>
+          <p:cNvPr id="14" name="Группа 13">
+            <a:extLst>
+              <a:ext uri="{FF2B5EF4-FFF2-40B4-BE49-F238E27FC236}">
+                <a16:creationId xmlns:a16="http://schemas.microsoft.com/office/drawing/2014/main" id="{68324D16-8FF9-4A88-B99C-4BABEB0278B7}"/>
+              </a:ext>
+            </a:extLst>
+          </p:cNvPr>
+          <p:cNvGrpSpPr/>
+          <p:nvPr/>
+        </p:nvGrpSpPr>
+        <p:grpSpPr>
+          <a:xfrm>
+            <a:off x="1211726" y="2381648"/>
+            <a:ext cx="1422055" cy="974715"/>
+            <a:chOff x="2723207" y="3727842"/>
+            <a:chExt cx="1422055" cy="974715"/>
+          </a:xfrm>
+        </p:grpSpPr>
+        <p:pic>
+          <p:nvPicPr>
+            <p:cNvPr id="6" name="Рисунок 5">
+              <a:extLst>
+                <a:ext uri="{FF2B5EF4-FFF2-40B4-BE49-F238E27FC236}">
+                  <a16:creationId xmlns:a16="http://schemas.microsoft.com/office/drawing/2014/main" id="{9A12FE1B-70EF-457E-92D2-C248A0436B8D}"/>
+                </a:ext>
+              </a:extLst>
+            </p:cNvPr>
+            <p:cNvPicPr>
+              <a:picLocks noChangeAspect="1"/>
+            </p:cNvPicPr>
+            <p:nvPr/>
+          </p:nvPicPr>
+          <p:blipFill>
+            <a:blip r:embed="rId3"/>
+            <a:stretch>
+              <a:fillRect/>
+            </a:stretch>
+          </p:blipFill>
+          <p:spPr>
+            <a:xfrm>
+              <a:off x="3170547" y="3727842"/>
+              <a:ext cx="974715" cy="974715"/>
+            </a:xfrm>
+            <a:prstGeom prst="rect">
+              <a:avLst/>
+            </a:prstGeom>
+          </p:spPr>
+        </p:pic>
+        <p:pic>
+          <p:nvPicPr>
+            <p:cNvPr id="10" name="Рисунок 9">
+              <a:extLst>
+                <a:ext uri="{FF2B5EF4-FFF2-40B4-BE49-F238E27FC236}">
+                  <a16:creationId xmlns:a16="http://schemas.microsoft.com/office/drawing/2014/main" id="{D3F3E939-AC85-45EA-833D-658C0D086863}"/>
+                </a:ext>
+              </a:extLst>
+            </p:cNvPr>
+            <p:cNvPicPr>
+              <a:picLocks noChangeAspect="1"/>
+            </p:cNvPicPr>
+            <p:nvPr/>
+          </p:nvPicPr>
+          <p:blipFill>
+            <a:blip r:embed="rId4"/>
+            <a:stretch>
+              <a:fillRect/>
+            </a:stretch>
+          </p:blipFill>
+          <p:spPr>
+            <a:xfrm>
+              <a:off x="2723207" y="4007667"/>
+              <a:ext cx="694890" cy="694890"/>
+            </a:xfrm>
+            <a:prstGeom prst="rect">
+              <a:avLst/>
+            </a:prstGeom>
+          </p:spPr>
+        </p:pic>
+      </p:grpSp>
+      <p:grpSp>
+        <p:nvGrpSpPr>
+          <p:cNvPr id="15" name="Группа 14">
+            <a:extLst>
+              <a:ext uri="{FF2B5EF4-FFF2-40B4-BE49-F238E27FC236}">
+                <a16:creationId xmlns:a16="http://schemas.microsoft.com/office/drawing/2014/main" id="{3740A1E6-D207-4CEB-824B-47D6104F6736}"/>
+              </a:ext>
+            </a:extLst>
+          </p:cNvPr>
+          <p:cNvGrpSpPr/>
+          <p:nvPr/>
+        </p:nvGrpSpPr>
+        <p:grpSpPr>
+          <a:xfrm>
+            <a:off x="4658246" y="2318331"/>
+            <a:ext cx="1295466" cy="1346194"/>
+            <a:chOff x="7408521" y="3727842"/>
+            <a:chExt cx="1295466" cy="1346194"/>
+          </a:xfrm>
+        </p:grpSpPr>
+        <p:pic>
+          <p:nvPicPr>
+            <p:cNvPr id="9" name="Рисунок 8">
+              <a:extLst>
+                <a:ext uri="{FF2B5EF4-FFF2-40B4-BE49-F238E27FC236}">
+                  <a16:creationId xmlns:a16="http://schemas.microsoft.com/office/drawing/2014/main" id="{F0C0486A-8001-431F-96DA-EE1738A840A0}"/>
+                </a:ext>
+              </a:extLst>
+            </p:cNvPr>
+            <p:cNvPicPr>
+              <a:picLocks noChangeAspect="1"/>
+            </p:cNvPicPr>
+            <p:nvPr/>
+          </p:nvPicPr>
+          <p:blipFill>
+            <a:blip r:embed="rId3"/>
+            <a:stretch>
+              <a:fillRect/>
+            </a:stretch>
+          </p:blipFill>
+          <p:spPr>
+            <a:xfrm>
+              <a:off x="7408521" y="3727842"/>
+              <a:ext cx="974715" cy="974715"/>
+            </a:xfrm>
+            <a:prstGeom prst="rect">
+              <a:avLst/>
+            </a:prstGeom>
+          </p:spPr>
+        </p:pic>
+        <p:pic>
+          <p:nvPicPr>
+            <p:cNvPr id="13" name="Рисунок 12">
+              <a:extLst>
+                <a:ext uri="{FF2B5EF4-FFF2-40B4-BE49-F238E27FC236}">
+                  <a16:creationId xmlns:a16="http://schemas.microsoft.com/office/drawing/2014/main" id="{FC815B73-58EF-4ADB-AABD-2EC6C7B93CBA}"/>
+                </a:ext>
+              </a:extLst>
+            </p:cNvPr>
+            <p:cNvPicPr>
+              <a:picLocks noChangeAspect="1"/>
+            </p:cNvPicPr>
+            <p:nvPr/>
+          </p:nvPicPr>
+          <p:blipFill>
+            <a:blip r:embed="rId5"/>
+            <a:stretch>
+              <a:fillRect/>
+            </a:stretch>
+          </p:blipFill>
+          <p:spPr>
+            <a:xfrm>
+              <a:off x="7972311" y="4342360"/>
+              <a:ext cx="731676" cy="731676"/>
+            </a:xfrm>
+            <a:prstGeom prst="rect">
+              <a:avLst/>
+            </a:prstGeom>
+          </p:spPr>
+        </p:pic>
+      </p:grpSp>
+      <p:sp>
+        <p:nvSpPr>
+          <p:cNvPr id="3" name="Прямоугольник: скругленные углы 2">
+            <a:extLst>
+              <a:ext uri="{FF2B5EF4-FFF2-40B4-BE49-F238E27FC236}">
+                <a16:creationId xmlns:a16="http://schemas.microsoft.com/office/drawing/2014/main" id="{DE2921BE-FBA6-40E2-9FA3-C47A435FC2AD}"/>
+              </a:ext>
+            </a:extLst>
+          </p:cNvPr>
+          <p:cNvSpPr/>
+          <p:nvPr/>
+        </p:nvSpPr>
+        <p:spPr>
+          <a:xfrm>
+            <a:off x="1358791" y="3664525"/>
+            <a:ext cx="1240077" cy="364101"/>
+          </a:xfrm>
+          <a:prstGeom prst="roundRect">
+            <a:avLst/>
+          </a:prstGeom>
+        </p:spPr>
+        <p:style>
+          <a:lnRef idx="2">
+            <a:schemeClr val="accent6"/>
+          </a:lnRef>
+          <a:fillRef idx="1">
+            <a:schemeClr val="lt1"/>
+          </a:fillRef>
+          <a:effectRef idx="0">
+            <a:schemeClr val="accent6"/>
+          </a:effectRef>
+          <a:fontRef idx="minor">
+            <a:schemeClr val="dk1"/>
+          </a:fontRef>
+        </p:style>
+        <p:txBody>
+          <a:bodyPr rtlCol="0" anchor="ctr"/>
+          <a:lstStyle/>
+          <a:p>
+            <a:pPr algn="ctr"/>
+            <a:endParaRPr lang="ru-RU"/>
+          </a:p>
+        </p:txBody>
+      </p:sp>
+      <p:sp>
+        <p:nvSpPr>
+          <p:cNvPr id="19" name="Прямоугольник: скругленные углы 18">
+            <a:extLst>
+              <a:ext uri="{FF2B5EF4-FFF2-40B4-BE49-F238E27FC236}">
+                <a16:creationId xmlns:a16="http://schemas.microsoft.com/office/drawing/2014/main" id="{1873523C-E537-4243-A3B0-BA1E6AAEF7E7}"/>
+              </a:ext>
+            </a:extLst>
+          </p:cNvPr>
+          <p:cNvSpPr/>
+          <p:nvPr/>
+        </p:nvSpPr>
+        <p:spPr>
+          <a:xfrm>
+            <a:off x="1358793" y="4171548"/>
+            <a:ext cx="1240077" cy="364101"/>
+          </a:xfrm>
+          <a:prstGeom prst="roundRect">
+            <a:avLst/>
+          </a:prstGeom>
+        </p:spPr>
+        <p:style>
+          <a:lnRef idx="2">
+            <a:schemeClr val="accent6"/>
+          </a:lnRef>
+          <a:fillRef idx="1">
+            <a:schemeClr val="lt1"/>
+          </a:fillRef>
+          <a:effectRef idx="0">
+            <a:schemeClr val="accent6"/>
+          </a:effectRef>
+          <a:fontRef idx="minor">
+            <a:schemeClr val="dk1"/>
+          </a:fontRef>
+        </p:style>
+        <p:txBody>
+          <a:bodyPr rtlCol="0" anchor="ctr"/>
+          <a:lstStyle/>
+          <a:p>
+            <a:pPr algn="ctr"/>
+            <a:endParaRPr lang="ru-RU"/>
+          </a:p>
+        </p:txBody>
+      </p:sp>
+      <p:sp>
+        <p:nvSpPr>
+          <p:cNvPr id="20" name="Прямоугольник: скругленные углы 19">
+            <a:extLst>
+              <a:ext uri="{FF2B5EF4-FFF2-40B4-BE49-F238E27FC236}">
+                <a16:creationId xmlns:a16="http://schemas.microsoft.com/office/drawing/2014/main" id="{B517ECB1-BB53-4412-AC97-160E67FB11D8}"/>
+              </a:ext>
+            </a:extLst>
+          </p:cNvPr>
+          <p:cNvSpPr/>
+          <p:nvPr/>
+        </p:nvSpPr>
+        <p:spPr>
+          <a:xfrm>
+            <a:off x="1359894" y="4678571"/>
+            <a:ext cx="1240077" cy="364101"/>
+          </a:xfrm>
+          <a:prstGeom prst="roundRect">
+            <a:avLst/>
+          </a:prstGeom>
+        </p:spPr>
+        <p:style>
+          <a:lnRef idx="2">
+            <a:schemeClr val="accent6"/>
+          </a:lnRef>
+          <a:fillRef idx="1">
+            <a:schemeClr val="lt1"/>
+          </a:fillRef>
+          <a:effectRef idx="0">
+            <a:schemeClr val="accent6"/>
+          </a:effectRef>
+          <a:fontRef idx="minor">
+            <a:schemeClr val="dk1"/>
+          </a:fontRef>
+        </p:style>
+        <p:txBody>
+          <a:bodyPr rtlCol="0" anchor="ctr"/>
+          <a:lstStyle/>
+          <a:p>
+            <a:pPr algn="ctr"/>
+            <a:endParaRPr lang="ru-RU"/>
+          </a:p>
+        </p:txBody>
+      </p:sp>
+      <p:sp>
+        <p:nvSpPr>
+          <p:cNvPr id="21" name="Прямоугольник: скругленные углы 20">
+            <a:extLst>
+              <a:ext uri="{FF2B5EF4-FFF2-40B4-BE49-F238E27FC236}">
+                <a16:creationId xmlns:a16="http://schemas.microsoft.com/office/drawing/2014/main" id="{29E71998-99DC-494F-9374-F060AB1CD35C}"/>
+              </a:ext>
+            </a:extLst>
+          </p:cNvPr>
+          <p:cNvSpPr/>
+          <p:nvPr/>
+        </p:nvSpPr>
+        <p:spPr>
+          <a:xfrm>
+            <a:off x="1358792" y="5185594"/>
+            <a:ext cx="1240077" cy="364101"/>
+          </a:xfrm>
+          <a:prstGeom prst="roundRect">
+            <a:avLst/>
+          </a:prstGeom>
+        </p:spPr>
+        <p:style>
+          <a:lnRef idx="2">
+            <a:schemeClr val="accent6"/>
+          </a:lnRef>
+          <a:fillRef idx="1">
+            <a:schemeClr val="lt1"/>
+          </a:fillRef>
+          <a:effectRef idx="0">
+            <a:schemeClr val="accent6"/>
+          </a:effectRef>
+          <a:fontRef idx="minor">
+            <a:schemeClr val="dk1"/>
+          </a:fontRef>
+        </p:style>
+        <p:txBody>
+          <a:bodyPr rtlCol="0" anchor="ctr"/>
+          <a:lstStyle/>
+          <a:p>
+            <a:pPr algn="ctr"/>
+            <a:endParaRPr lang="ru-RU"/>
+          </a:p>
+        </p:txBody>
+      </p:sp>
+      <p:sp>
+        <p:nvSpPr>
+          <p:cNvPr id="22" name="Прямоугольник: скругленные углы 21">
+            <a:extLst>
+              <a:ext uri="{FF2B5EF4-FFF2-40B4-BE49-F238E27FC236}">
+                <a16:creationId xmlns:a16="http://schemas.microsoft.com/office/drawing/2014/main" id="{5C971C89-4FA8-4D25-A202-A8D41D2299A2}"/>
+              </a:ext>
+            </a:extLst>
+          </p:cNvPr>
+          <p:cNvSpPr/>
+          <p:nvPr/>
+        </p:nvSpPr>
+        <p:spPr>
+          <a:xfrm>
+            <a:off x="1358790" y="5692617"/>
+            <a:ext cx="1240077" cy="364101"/>
+          </a:xfrm>
+          <a:prstGeom prst="roundRect">
+            <a:avLst/>
+          </a:prstGeom>
+        </p:spPr>
+        <p:style>
+          <a:lnRef idx="2">
+            <a:schemeClr val="accent6"/>
+          </a:lnRef>
+          <a:fillRef idx="1">
+            <a:schemeClr val="lt1"/>
+          </a:fillRef>
+          <a:effectRef idx="0">
+            <a:schemeClr val="accent6"/>
+          </a:effectRef>
+          <a:fontRef idx="minor">
+            <a:schemeClr val="dk1"/>
+          </a:fontRef>
+        </p:style>
+        <p:txBody>
+          <a:bodyPr rtlCol="0" anchor="ctr"/>
+          <a:lstStyle/>
+          <a:p>
+            <a:pPr algn="ctr"/>
+            <a:endParaRPr lang="ru-RU"/>
+          </a:p>
+        </p:txBody>
+      </p:sp>
+      <p:sp>
+        <p:nvSpPr>
+          <p:cNvPr id="24" name="Прямоугольник: скругленные углы 23">
+            <a:extLst>
+              <a:ext uri="{FF2B5EF4-FFF2-40B4-BE49-F238E27FC236}">
+                <a16:creationId xmlns:a16="http://schemas.microsoft.com/office/drawing/2014/main" id="{7D91A4DB-555C-4083-9BCC-2C64BF98D285}"/>
+              </a:ext>
+            </a:extLst>
+          </p:cNvPr>
+          <p:cNvSpPr/>
+          <p:nvPr/>
+        </p:nvSpPr>
+        <p:spPr>
+          <a:xfrm>
+            <a:off x="3034736" y="3667875"/>
+            <a:ext cx="1240077" cy="364101"/>
+          </a:xfrm>
+          <a:prstGeom prst="roundRect">
+            <a:avLst/>
+          </a:prstGeom>
+        </p:spPr>
+        <p:style>
+          <a:lnRef idx="2">
+            <a:schemeClr val="accent6"/>
+          </a:lnRef>
+          <a:fillRef idx="1">
+            <a:schemeClr val="lt1"/>
+          </a:fillRef>
+          <a:effectRef idx="0">
+            <a:schemeClr val="accent6"/>
+          </a:effectRef>
+          <a:fontRef idx="minor">
+            <a:schemeClr val="dk1"/>
+          </a:fontRef>
+        </p:style>
+        <p:txBody>
+          <a:bodyPr rtlCol="0" anchor="ctr"/>
+          <a:lstStyle/>
+          <a:p>
+            <a:pPr algn="ctr"/>
+            <a:endParaRPr lang="ru-RU"/>
+          </a:p>
+        </p:txBody>
+      </p:sp>
+      <p:sp>
+        <p:nvSpPr>
+          <p:cNvPr id="25" name="Прямоугольник: скругленные углы 24">
+            <a:extLst>
+              <a:ext uri="{FF2B5EF4-FFF2-40B4-BE49-F238E27FC236}">
+                <a16:creationId xmlns:a16="http://schemas.microsoft.com/office/drawing/2014/main" id="{D4D485BB-836A-4316-9021-AC100BD5B1D6}"/>
+              </a:ext>
+            </a:extLst>
+          </p:cNvPr>
+          <p:cNvSpPr/>
+          <p:nvPr/>
+        </p:nvSpPr>
+        <p:spPr>
+          <a:xfrm>
+            <a:off x="3034738" y="4174898"/>
+            <a:ext cx="1240077" cy="364101"/>
+          </a:xfrm>
+          <a:prstGeom prst="roundRect">
+            <a:avLst/>
+          </a:prstGeom>
+        </p:spPr>
+        <p:style>
+          <a:lnRef idx="2">
+            <a:schemeClr val="accent6"/>
+          </a:lnRef>
+          <a:fillRef idx="1">
+            <a:schemeClr val="lt1"/>
+          </a:fillRef>
+          <a:effectRef idx="0">
+            <a:schemeClr val="accent6"/>
+          </a:effectRef>
+          <a:fontRef idx="minor">
+            <a:schemeClr val="dk1"/>
+          </a:fontRef>
+        </p:style>
+        <p:txBody>
+          <a:bodyPr rtlCol="0" anchor="ctr"/>
+          <a:lstStyle/>
+          <a:p>
+            <a:pPr algn="ctr"/>
+            <a:endParaRPr lang="ru-RU"/>
+          </a:p>
+        </p:txBody>
+      </p:sp>
+      <p:sp>
+        <p:nvSpPr>
+          <p:cNvPr id="26" name="Прямоугольник: скругленные углы 25">
+            <a:extLst>
+              <a:ext uri="{FF2B5EF4-FFF2-40B4-BE49-F238E27FC236}">
+                <a16:creationId xmlns:a16="http://schemas.microsoft.com/office/drawing/2014/main" id="{B83EE973-21A9-4260-8F16-0F3B3969E2CD}"/>
+              </a:ext>
+            </a:extLst>
+          </p:cNvPr>
+          <p:cNvSpPr/>
+          <p:nvPr/>
+        </p:nvSpPr>
+        <p:spPr>
+          <a:xfrm>
+            <a:off x="3035839" y="4681921"/>
+            <a:ext cx="1240077" cy="364101"/>
+          </a:xfrm>
+          <a:prstGeom prst="roundRect">
+            <a:avLst/>
+          </a:prstGeom>
+        </p:spPr>
+        <p:style>
+          <a:lnRef idx="2">
+            <a:schemeClr val="accent6"/>
+          </a:lnRef>
+          <a:fillRef idx="1">
+            <a:schemeClr val="lt1"/>
+          </a:fillRef>
+          <a:effectRef idx="0">
+            <a:schemeClr val="accent6"/>
+          </a:effectRef>
+          <a:fontRef idx="minor">
+            <a:schemeClr val="dk1"/>
+          </a:fontRef>
+        </p:style>
+        <p:txBody>
+          <a:bodyPr rtlCol="0" anchor="ctr"/>
+          <a:lstStyle/>
+          <a:p>
+            <a:pPr algn="ctr"/>
+            <a:endParaRPr lang="ru-RU"/>
+          </a:p>
+        </p:txBody>
+      </p:sp>
+      <p:sp>
+        <p:nvSpPr>
+          <p:cNvPr id="27" name="Прямоугольник: скругленные углы 26">
+            <a:extLst>
+              <a:ext uri="{FF2B5EF4-FFF2-40B4-BE49-F238E27FC236}">
+                <a16:creationId xmlns:a16="http://schemas.microsoft.com/office/drawing/2014/main" id="{94C503F7-B168-4C0C-97D6-6BA699E54870}"/>
+              </a:ext>
+            </a:extLst>
+          </p:cNvPr>
+          <p:cNvSpPr/>
+          <p:nvPr/>
+        </p:nvSpPr>
+        <p:spPr>
+          <a:xfrm>
+            <a:off x="4580534" y="3664525"/>
+            <a:ext cx="1240077" cy="364101"/>
+          </a:xfrm>
+          <a:prstGeom prst="roundRect">
+            <a:avLst/>
+          </a:prstGeom>
+        </p:spPr>
+        <p:style>
+          <a:lnRef idx="2">
+            <a:schemeClr val="accent6"/>
+          </a:lnRef>
+          <a:fillRef idx="1">
+            <a:schemeClr val="lt1"/>
+          </a:fillRef>
+          <a:effectRef idx="0">
+            <a:schemeClr val="accent6"/>
+          </a:effectRef>
+          <a:fontRef idx="minor">
+            <a:schemeClr val="dk1"/>
+          </a:fontRef>
+        </p:style>
+        <p:txBody>
+          <a:bodyPr rtlCol="0" anchor="ctr"/>
+          <a:lstStyle/>
+          <a:p>
+            <a:pPr algn="ctr"/>
+            <a:endParaRPr lang="ru-RU"/>
+          </a:p>
+        </p:txBody>
+      </p:sp>
+      <p:pic>
+        <p:nvPicPr>
+          <p:cNvPr id="7" name="Рисунок 6">
+            <a:extLst>
+              <a:ext uri="{FF2B5EF4-FFF2-40B4-BE49-F238E27FC236}">
+                <a16:creationId xmlns:a16="http://schemas.microsoft.com/office/drawing/2014/main" id="{B9D7DE79-D7B6-4CDA-AEA6-6EA11067C4D9}"/>
+              </a:ext>
+            </a:extLst>
+          </p:cNvPr>
+          <p:cNvPicPr>
+            <a:picLocks noChangeAspect="1"/>
+          </p:cNvPicPr>
+          <p:nvPr/>
+        </p:nvPicPr>
+        <p:blipFill>
+          <a:blip r:embed="rId6"/>
+          <a:stretch>
+            <a:fillRect/>
+          </a:stretch>
+        </p:blipFill>
+        <p:spPr>
+          <a:xfrm>
+            <a:off x="7075105" y="2674791"/>
+            <a:ext cx="3457829" cy="3482146"/>
+          </a:xfrm>
+          <a:prstGeom prst="rect">
+            <a:avLst/>
+          </a:prstGeom>
+        </p:spPr>
+      </p:pic>
+    </p:spTree>
+    <p:extLst>
+      <p:ext uri="{BB962C8B-B14F-4D97-AF65-F5344CB8AC3E}">
+        <p14:creationId xmlns:p14="http://schemas.microsoft.com/office/powerpoint/2010/main" val="2953925512"/>
+      </p:ext>
+    </p:extLst>
+  </p:cSld>
+  <p:clrMapOvr>
+    <a:masterClrMapping/>
+  </p:clrMapOvr>
+</p:sld>
+</file>
+
+<file path=ppt/slides/slide13.xml><?xml version="1.0" encoding="utf-8"?>
+<p:sld xmlns:a="http://schemas.openxmlformats.org/drawingml/2006/main" xmlns:r="http://schemas.openxmlformats.org/officeDocument/2006/relationships" xmlns:p="http://schemas.openxmlformats.org/presentationml/2006/main">
+  <p:cSld>
+    <p:spTree>
+      <p:nvGrpSpPr>
+        <p:cNvPr id="1" name=""/>
+        <p:cNvGrpSpPr/>
+        <p:nvPr/>
+      </p:nvGrpSpPr>
+      <p:grpSpPr>
+        <a:xfrm>
+          <a:off x="0" y="0"/>
+          <a:ext cx="0" cy="0"/>
+          <a:chOff x="0" y="0"/>
+          <a:chExt cx="0" cy="0"/>
+        </a:xfrm>
+      </p:grpSpPr>
+      <p:sp>
+        <p:nvSpPr>
+          <p:cNvPr id="2" name="Заголовок 1">
+            <a:extLst>
+              <a:ext uri="{FF2B5EF4-FFF2-40B4-BE49-F238E27FC236}">
+                <a16:creationId xmlns:a16="http://schemas.microsoft.com/office/drawing/2014/main" id="{6CCA29A4-AAFD-04EE-0732-0671E83D5EF1}"/>
+              </a:ext>
+            </a:extLst>
+          </p:cNvPr>
+          <p:cNvSpPr>
+            <a:spLocks noGrp="1"/>
+          </p:cNvSpPr>
+          <p:nvPr>
+            <p:ph type="title"/>
+          </p:nvPr>
+        </p:nvSpPr>
+        <p:spPr>
+          <a:xfrm>
+            <a:off x="2399620" y="162560"/>
+            <a:ext cx="8843050" cy="1616904"/>
+          </a:xfrm>
+        </p:spPr>
+        <p:txBody>
+          <a:bodyPr rtlCol="0"/>
+          <a:lstStyle>
+            <a:defPPr>
+              <a:defRPr lang="ru-RU"/>
+            </a:defPPr>
+          </a:lstStyle>
+          <a:p>
+            <a:pPr rtl="0"/>
+            <a:r>
+              <a:rPr lang="ru-RU" dirty="0"/>
+              <a:t>Ключевые функции приложения</a:t>
+            </a:r>
+          </a:p>
+        </p:txBody>
+      </p:sp>
+      <p:sp>
+        <p:nvSpPr>
+          <p:cNvPr id="3" name="Объект 2">
+            <a:extLst>
+              <a:ext uri="{FF2B5EF4-FFF2-40B4-BE49-F238E27FC236}">
+                <a16:creationId xmlns:a16="http://schemas.microsoft.com/office/drawing/2014/main" id="{F09FEE91-E849-1CB0-9E51-A58B99C631C5}"/>
+              </a:ext>
+            </a:extLst>
+          </p:cNvPr>
+          <p:cNvSpPr>
+            <a:spLocks noGrp="1"/>
+          </p:cNvSpPr>
+          <p:nvPr>
+            <p:ph sz="quarter" idx="35"/>
+          </p:nvPr>
+        </p:nvSpPr>
+        <p:spPr>
+          <a:xfrm>
+            <a:off x="2373002" y="2474811"/>
+            <a:ext cx="4015098" cy="3528397"/>
+          </a:xfrm>
+        </p:spPr>
+        <p:txBody>
+          <a:bodyPr rtlCol="0"/>
+          <a:lstStyle>
+            <a:defPPr>
+              <a:defRPr lang="ru-RU"/>
+            </a:defPPr>
+          </a:lstStyle>
+          <a:p>
+            <a:pPr rtl="0"/>
+            <a:r>
+              <a:rPr lang="ru-RU" dirty="0"/>
+              <a:t>Возможности пользователя</a:t>
+            </a:r>
+          </a:p>
+          <a:p>
+            <a:pPr lvl="1" rtl="0"/>
+            <a:r>
+              <a:rPr lang="ru-RU" dirty="0"/>
+              <a:t>Поиск и бронирование парковочного места</a:t>
+            </a:r>
+          </a:p>
+          <a:p>
+            <a:pPr lvl="1" rtl="0"/>
+            <a:r>
+              <a:rPr lang="ru-RU" dirty="0"/>
+              <a:t>Отмена брони</a:t>
+            </a:r>
+          </a:p>
+          <a:p>
+            <a:pPr lvl="1" rtl="0"/>
+            <a:r>
+              <a:rPr lang="ru-RU" dirty="0"/>
+              <a:t>Просмотр имён коллег на занятых местах</a:t>
+            </a:r>
+          </a:p>
+        </p:txBody>
+      </p:sp>
+      <p:sp>
+        <p:nvSpPr>
+          <p:cNvPr id="4" name="Объект 3">
+            <a:extLst>
+              <a:ext uri="{FF2B5EF4-FFF2-40B4-BE49-F238E27FC236}">
+                <a16:creationId xmlns:a16="http://schemas.microsoft.com/office/drawing/2014/main" id="{9B774F1A-D233-C240-B22D-F82C6161FAC1}"/>
+              </a:ext>
+            </a:extLst>
+          </p:cNvPr>
+          <p:cNvSpPr>
+            <a:spLocks noGrp="1"/>
+          </p:cNvSpPr>
+          <p:nvPr>
+            <p:ph sz="quarter" idx="36"/>
+          </p:nvPr>
+        </p:nvSpPr>
+        <p:spPr>
+          <a:xfrm>
+            <a:off x="6995159" y="2474811"/>
+            <a:ext cx="4227332" cy="3528397"/>
+          </a:xfrm>
+        </p:spPr>
+        <p:txBody>
+          <a:bodyPr rtlCol="0"/>
+          <a:lstStyle>
+            <a:defPPr>
+              <a:defRPr lang="ru-RU"/>
+            </a:defPPr>
+          </a:lstStyle>
+          <a:p>
+            <a:r>
+              <a:rPr lang="ru-RU" dirty="0"/>
+              <a:t>Администратор большой.</a:t>
+            </a:r>
+          </a:p>
+          <a:p>
+            <a:pPr lvl="1" rtl="0"/>
+            <a:r>
+              <a:rPr lang="ru-RU" dirty="0"/>
+              <a:t>Смотреть статистику утилизации парковочных мест</a:t>
+            </a:r>
+          </a:p>
+          <a:p>
+            <a:pPr lvl="1" rtl="0"/>
+            <a:r>
+              <a:rPr lang="ru-RU" dirty="0"/>
+              <a:t>Добавление</a:t>
+            </a:r>
+            <a:r>
+              <a:rPr lang="en-US" dirty="0"/>
+              <a:t>/</a:t>
+            </a:r>
+            <a:r>
+              <a:rPr lang="ru-RU" dirty="0"/>
+              <a:t>удаление малых администраторов</a:t>
+            </a:r>
+          </a:p>
+          <a:p>
+            <a:pPr lvl="1" rtl="0"/>
+            <a:r>
+              <a:rPr lang="ru-RU" dirty="0"/>
+              <a:t>Изменение категории парковочного места</a:t>
+            </a:r>
+          </a:p>
+          <a:p>
+            <a:pPr lvl="1">
+              <a:buNone/>
+            </a:pPr>
+            <a:r>
+              <a:rPr lang="ru-RU" dirty="0"/>
+              <a:t>Администратор малый.</a:t>
+            </a:r>
+          </a:p>
+          <a:p>
+            <a:pPr lvl="1" rtl="0"/>
+            <a:r>
+              <a:rPr lang="ru-RU" dirty="0"/>
+              <a:t>Добавление</a:t>
+            </a:r>
+            <a:r>
+              <a:rPr lang="en-US" dirty="0"/>
+              <a:t>/</a:t>
+            </a:r>
+            <a:r>
+              <a:rPr lang="ru-RU" dirty="0"/>
+              <a:t>удаление пользователей</a:t>
+            </a:r>
+          </a:p>
+        </p:txBody>
+      </p:sp>
+      <p:sp>
+        <p:nvSpPr>
+          <p:cNvPr id="5" name="Номер слайда 4">
+            <a:extLst>
+              <a:ext uri="{FF2B5EF4-FFF2-40B4-BE49-F238E27FC236}">
+                <a16:creationId xmlns:a16="http://schemas.microsoft.com/office/drawing/2014/main" id="{23E23533-91C6-420C-B7D7-4977ACF73ACF}"/>
+              </a:ext>
+            </a:extLst>
+          </p:cNvPr>
+          <p:cNvSpPr>
+            <a:spLocks noGrp="1"/>
+          </p:cNvSpPr>
+          <p:nvPr>
+            <p:ph type="sldNum" sz="quarter" idx="12"/>
+          </p:nvPr>
+        </p:nvSpPr>
+        <p:spPr>
+          <a:xfrm>
+            <a:off x="9140971" y="6226198"/>
+            <a:ext cx="2743200" cy="365125"/>
+          </a:xfrm>
+        </p:spPr>
+        <p:txBody>
+          <a:bodyPr rtlCol="0"/>
+          <a:lstStyle>
+            <a:defPPr>
+              <a:defRPr lang="ru-RU"/>
+            </a:defPPr>
+          </a:lstStyle>
+          <a:p>
+            <a:pPr rtl="0"/>
+            <a:fld id="{FE024F78-56A6-7740-B68D-8D4D026EDF3F}" type="slidenum">
+              <a:rPr lang="ru-RU" smtClean="0"/>
+              <a:pPr rtl="0"/>
+              <a:t>13</a:t>
+            </a:fld>
+            <a:endParaRPr lang="ru-RU" dirty="0"/>
+          </a:p>
+        </p:txBody>
+      </p:sp>
+    </p:spTree>
+    <p:extLst>
+      <p:ext uri="{BB962C8B-B14F-4D97-AF65-F5344CB8AC3E}">
+        <p14:creationId xmlns:p14="http://schemas.microsoft.com/office/powerpoint/2010/main" val="1073601555"/>
+      </p:ext>
+    </p:extLst>
+  </p:cSld>
+  <p:clrMapOvr>
+    <a:masterClrMapping/>
+  </p:clrMapOvr>
+</p:sld>
+</file>
+
+<file path=ppt/slides/slide14.xml><?xml version="1.0" encoding="utf-8"?>
+<p:sld xmlns:a="http://schemas.openxmlformats.org/drawingml/2006/main" xmlns:r="http://schemas.openxmlformats.org/officeDocument/2006/relationships" xmlns:p="http://schemas.openxmlformats.org/presentationml/2006/main">
+  <p:cSld>
+    <p:spTree>
+      <p:nvGrpSpPr>
+        <p:cNvPr id="1" name=""/>
+        <p:cNvGrpSpPr/>
+        <p:nvPr/>
+      </p:nvGrpSpPr>
+      <p:grpSpPr>
+        <a:xfrm>
+          <a:off x="0" y="0"/>
+          <a:ext cx="0" cy="0"/>
+          <a:chOff x="0" y="0"/>
+          <a:chExt cx="0" cy="0"/>
+        </a:xfrm>
+      </p:grpSpPr>
+      <p:sp>
+        <p:nvSpPr>
+          <p:cNvPr id="2" name="Заголовок 1">
+            <a:extLst>
+              <a:ext uri="{FF2B5EF4-FFF2-40B4-BE49-F238E27FC236}">
+                <a16:creationId xmlns:a16="http://schemas.microsoft.com/office/drawing/2014/main" id="{E117F7C5-CBA2-9823-0CBA-5BD773998046}"/>
+              </a:ext>
+            </a:extLst>
+          </p:cNvPr>
+          <p:cNvSpPr>
+            <a:spLocks noGrp="1"/>
+          </p:cNvSpPr>
+          <p:nvPr>
+            <p:ph type="title"/>
+          </p:nvPr>
+        </p:nvSpPr>
+        <p:spPr>
+          <a:xfrm>
+            <a:off x="321869" y="579120"/>
+            <a:ext cx="11548261" cy="2733306"/>
+          </a:xfrm>
+        </p:spPr>
+        <p:txBody>
+          <a:bodyPr rtlCol="0"/>
+          <a:lstStyle>
+            <a:defPPr>
+              <a:defRPr lang="ru-RU"/>
+            </a:defPPr>
+          </a:lstStyle>
+          <a:p>
+            <a:pPr rtl="0"/>
+            <a:r>
+              <a:rPr lang="ru-RU" dirty="0"/>
+              <a:t>система</a:t>
+            </a:r>
+          </a:p>
+        </p:txBody>
+      </p:sp>
+      <p:sp>
+        <p:nvSpPr>
+          <p:cNvPr id="4" name="Подзаголовок 3">
+            <a:extLst>
+              <a:ext uri="{FF2B5EF4-FFF2-40B4-BE49-F238E27FC236}">
+                <a16:creationId xmlns:a16="http://schemas.microsoft.com/office/drawing/2014/main" id="{260D053B-A40A-3228-B6D5-3371B9EE2E56}"/>
+              </a:ext>
+            </a:extLst>
+          </p:cNvPr>
+          <p:cNvSpPr>
+            <a:spLocks noGrp="1"/>
+          </p:cNvSpPr>
+          <p:nvPr>
+            <p:ph type="subTitle" idx="1"/>
+          </p:nvPr>
+        </p:nvSpPr>
+        <p:spPr>
+          <a:xfrm>
+            <a:off x="321868" y="3484615"/>
+            <a:ext cx="11562303" cy="2387865"/>
+          </a:xfrm>
+        </p:spPr>
+        <p:txBody>
+          <a:bodyPr rtlCol="0"/>
+          <a:lstStyle>
+            <a:defPPr>
+              <a:defRPr lang="ru-RU"/>
+            </a:defPPr>
+          </a:lstStyle>
+          <a:p>
+            <a:pPr rtl="0"/>
+            <a:r>
+              <a:rPr lang="ru-RU" dirty="0"/>
+              <a:t>жизней</a:t>
+            </a:r>
+          </a:p>
+        </p:txBody>
+      </p:sp>
+      <p:sp>
+        <p:nvSpPr>
+          <p:cNvPr id="3" name="Номер слайда 2">
+            <a:extLst>
+              <a:ext uri="{FF2B5EF4-FFF2-40B4-BE49-F238E27FC236}">
+                <a16:creationId xmlns:a16="http://schemas.microsoft.com/office/drawing/2014/main" id="{A6A971A9-0C5C-DDFC-67F9-2E5A55F12F67}"/>
+              </a:ext>
+            </a:extLst>
+          </p:cNvPr>
+          <p:cNvSpPr>
+            <a:spLocks noGrp="1"/>
+          </p:cNvSpPr>
+          <p:nvPr>
+            <p:ph type="sldNum" sz="quarter" idx="12"/>
+          </p:nvPr>
+        </p:nvSpPr>
+        <p:spPr>
+          <a:xfrm>
+            <a:off x="9140971" y="6226198"/>
+            <a:ext cx="2743200" cy="365125"/>
+          </a:xfrm>
+        </p:spPr>
+        <p:txBody>
+          <a:bodyPr rtlCol="0"/>
+          <a:lstStyle>
+            <a:defPPr>
+              <a:defRPr lang="ru-RU"/>
+            </a:defPPr>
+          </a:lstStyle>
+          <a:p>
+            <a:pPr rtl="0"/>
+            <a:fld id="{FE024F78-56A6-7740-B68D-8D4D026EDF3F}" type="slidenum">
+              <a:rPr lang="ru-RU" smtClean="0"/>
+              <a:pPr rtl="0"/>
+              <a:t>14</a:t>
+            </a:fld>
+            <a:endParaRPr lang="ru-RU" dirty="0"/>
+          </a:p>
+        </p:txBody>
+      </p:sp>
+    </p:spTree>
+    <p:extLst>
+      <p:ext uri="{BB962C8B-B14F-4D97-AF65-F5344CB8AC3E}">
+        <p14:creationId xmlns:p14="http://schemas.microsoft.com/office/powerpoint/2010/main" val="2606246823"/>
+      </p:ext>
+    </p:extLst>
+  </p:cSld>
+  <p:clrMapOvr>
+    <a:masterClrMapping/>
+  </p:clrMapOvr>
+</p:sld>
+</file>
+
+<file path=ppt/slides/slide15.xml><?xml version="1.0" encoding="utf-8"?>
+<p:sld xmlns:a="http://schemas.openxmlformats.org/drawingml/2006/main" xmlns:r="http://schemas.openxmlformats.org/officeDocument/2006/relationships" xmlns:p="http://schemas.openxmlformats.org/presentationml/2006/main">
+  <p:cSld>
+    <p:spTree>
+      <p:nvGrpSpPr>
+        <p:cNvPr id="1" name=""/>
+        <p:cNvGrpSpPr/>
+        <p:nvPr/>
+      </p:nvGrpSpPr>
+      <p:grpSpPr>
+        <a:xfrm>
+          <a:off x="0" y="0"/>
+          <a:ext cx="0" cy="0"/>
+          <a:chOff x="0" y="0"/>
+          <a:chExt cx="0" cy="0"/>
+        </a:xfrm>
+      </p:grpSpPr>
+      <p:sp>
+        <p:nvSpPr>
+          <p:cNvPr id="2" name="Заголовок 1">
+            <a:extLst>
+              <a:ext uri="{FF2B5EF4-FFF2-40B4-BE49-F238E27FC236}">
+                <a16:creationId xmlns:a16="http://schemas.microsoft.com/office/drawing/2014/main" id="{D9F60903-003B-273E-3584-5312F76C3EF3}"/>
+              </a:ext>
+            </a:extLst>
+          </p:cNvPr>
+          <p:cNvSpPr>
+            <a:spLocks noGrp="1"/>
+          </p:cNvSpPr>
+          <p:nvPr>
+            <p:ph type="title"/>
+          </p:nvPr>
+        </p:nvSpPr>
+        <p:spPr>
+          <a:xfrm>
+            <a:off x="3305669" y="113097"/>
+            <a:ext cx="7420819" cy="1656304"/>
+          </a:xfrm>
+        </p:spPr>
+        <p:txBody>
+          <a:bodyPr rtlCol="0"/>
+          <a:lstStyle>
+            <a:defPPr>
+              <a:defRPr lang="ru-RU"/>
+            </a:defPPr>
+          </a:lstStyle>
+          <a:p>
+            <a:pPr rtl="0"/>
+            <a:r>
+              <a:rPr lang="ru-RU" dirty="0"/>
+              <a:t>3 жизни вместо 30 кредитов</a:t>
+            </a:r>
+          </a:p>
+        </p:txBody>
+      </p:sp>
+      <p:sp>
+        <p:nvSpPr>
+          <p:cNvPr id="4" name="Объект 3">
+            <a:extLst>
+              <a:ext uri="{FF2B5EF4-FFF2-40B4-BE49-F238E27FC236}">
+                <a16:creationId xmlns:a16="http://schemas.microsoft.com/office/drawing/2014/main" id="{74160DFF-2E7E-7A22-819A-C011020DFF01}"/>
+              </a:ext>
+            </a:extLst>
+          </p:cNvPr>
+          <p:cNvSpPr>
+            <a:spLocks noGrp="1"/>
+          </p:cNvSpPr>
+          <p:nvPr>
+            <p:ph sz="quarter" idx="31"/>
+          </p:nvPr>
+        </p:nvSpPr>
+        <p:spPr>
+          <a:xfrm>
+            <a:off x="3305668" y="2302636"/>
+            <a:ext cx="7420819" cy="4121173"/>
+          </a:xfrm>
+        </p:spPr>
+        <p:txBody>
+          <a:bodyPr rtlCol="0"/>
+          <a:lstStyle>
+            <a:defPPr>
+              <a:defRPr lang="ru-RU"/>
+            </a:defPPr>
+          </a:lstStyle>
+          <a:p>
+            <a:r>
+              <a:rPr lang="ru-RU" dirty="0"/>
+              <a:t>Система жизней предпочтительнее системы баллов, которые можно тратить, поскольку она более эффективно мотивирует соблюдение правил и предотвращает злоупотребления.  </a:t>
+            </a:r>
+          </a:p>
+          <a:p>
+            <a:r>
+              <a:rPr lang="ru-RU" dirty="0"/>
+              <a:t>Система баллов может привести к неконтролируемому накоплению "виртуального капитала" у нарушителей, создавая иллюзию «бесплатности» нарушения правил и, потенциально, понижая их мотивацию к корректному поведению.    </a:t>
+            </a:r>
+          </a:p>
+          <a:p>
+            <a:r>
+              <a:rPr lang="ru-RU" dirty="0"/>
+              <a:t>Более прозрачна и понятна, что снижает сложность разработки. </a:t>
+            </a:r>
+          </a:p>
+          <a:p>
+            <a:r>
+              <a:rPr lang="ru-RU" dirty="0"/>
+              <a:t>3 жизни на год. Администратор может увеличить на 1 за заслуги.</a:t>
+            </a:r>
+          </a:p>
+          <a:p>
+            <a:r>
+              <a:rPr lang="ru-RU" dirty="0"/>
+              <a:t>Кто должен начислять кредиты?</a:t>
+            </a:r>
+          </a:p>
+        </p:txBody>
+      </p:sp>
+      <p:sp>
+        <p:nvSpPr>
+          <p:cNvPr id="3" name="Номер слайда 2">
+            <a:extLst>
+              <a:ext uri="{FF2B5EF4-FFF2-40B4-BE49-F238E27FC236}">
+                <a16:creationId xmlns:a16="http://schemas.microsoft.com/office/drawing/2014/main" id="{64347AE7-D6A2-42FB-3D58-6297742FC352}"/>
+              </a:ext>
+            </a:extLst>
+          </p:cNvPr>
+          <p:cNvSpPr>
+            <a:spLocks noGrp="1"/>
+          </p:cNvSpPr>
+          <p:nvPr>
+            <p:ph type="sldNum" sz="quarter" idx="12"/>
+          </p:nvPr>
+        </p:nvSpPr>
+        <p:spPr>
+          <a:xfrm>
+            <a:off x="9140971" y="6226198"/>
+            <a:ext cx="2743200" cy="365125"/>
+          </a:xfrm>
+        </p:spPr>
+        <p:txBody>
+          <a:bodyPr rtlCol="0"/>
+          <a:lstStyle>
+            <a:defPPr>
+              <a:defRPr lang="ru-RU"/>
+            </a:defPPr>
+          </a:lstStyle>
+          <a:p>
+            <a:pPr rtl="0"/>
+            <a:fld id="{FE024F78-56A6-7740-B68D-8D4D026EDF3F}" type="slidenum">
+              <a:rPr lang="ru-RU" smtClean="0"/>
+              <a:pPr rtl="0"/>
+              <a:t>15</a:t>
+            </a:fld>
+            <a:endParaRPr lang="ru-RU" dirty="0"/>
+          </a:p>
+        </p:txBody>
+      </p:sp>
+    </p:spTree>
+    <p:extLst>
+      <p:ext uri="{BB962C8B-B14F-4D97-AF65-F5344CB8AC3E}">
+        <p14:creationId xmlns:p14="http://schemas.microsoft.com/office/powerpoint/2010/main" val="1962637282"/>
+      </p:ext>
+    </p:extLst>
+  </p:cSld>
+  <p:clrMapOvr>
+    <a:masterClrMapping/>
+  </p:clrMapOvr>
+</p:sld>
+</file>
+
+<file path=ppt/slides/slide16.xml><?xml version="1.0" encoding="utf-8"?>
 <p:sld xmlns:a="http://schemas.openxmlformats.org/drawingml/2006/main" xmlns:r="http://schemas.openxmlformats.org/officeDocument/2006/relationships" xmlns:p="http://schemas.openxmlformats.org/presentationml/2006/main">
   <p:cSld>
     <p:bg>
@@ -11315,10 +13585,57 @@
           <a:p>
             <a:pPr rtl="0"/>
             <a:r>
-              <a:rPr lang="en-US" dirty="0" err="1"/>
+              <a:rPr lang="ru-RU" dirty="0"/>
+              <a:t>Было б интересно поработать над проектом дальше…</a:t>
+            </a:r>
+          </a:p>
+          <a:p>
+            <a:pPr algn="r" rtl="0"/>
+            <a:endParaRPr lang="ru-RU" dirty="0"/>
+          </a:p>
+        </p:txBody>
+      </p:sp>
+      <p:sp>
+        <p:nvSpPr>
+          <p:cNvPr id="5" name="TextBox 4">
+            <a:extLst>
+              <a:ext uri="{FF2B5EF4-FFF2-40B4-BE49-F238E27FC236}">
+                <a16:creationId xmlns:a16="http://schemas.microsoft.com/office/drawing/2014/main" id="{EC065402-A26A-4559-A624-D1F1847B66F1}"/>
+              </a:ext>
+            </a:extLst>
+          </p:cNvPr>
+          <p:cNvSpPr txBox="1"/>
+          <p:nvPr/>
+        </p:nvSpPr>
+        <p:spPr>
+          <a:xfrm>
+            <a:off x="5541201" y="6169162"/>
+            <a:ext cx="1648738" cy="369332"/>
+          </a:xfrm>
+          <a:prstGeom prst="rect">
+            <a:avLst/>
+          </a:prstGeom>
+          <a:noFill/>
+        </p:spPr>
+        <p:txBody>
+          <a:bodyPr wrap="square">
+            <a:spAutoFit/>
+          </a:bodyPr>
+          <a:lstStyle/>
+          <a:p>
+            <a:r>
+              <a:rPr lang="en-US" dirty="0" err="1">
+                <a:solidFill>
+                  <a:schemeClr val="bg1"/>
+                </a:solidFill>
+              </a:rPr>
               <a:t>Parcot</a:t>
             </a:r>
-            <a:endParaRPr lang="ru-RU" dirty="0"/>
+            <a:endParaRPr lang="ru-RU" dirty="0">
+              <a:solidFill>
+                <a:schemeClr val="bg1"/>
+              </a:solidFill>
+            </a:endParaRPr>
           </a:p>
         </p:txBody>
       </p:sp>
@@ -11336,6 +13653,156 @@
 </file>
 
 <file path=ppt/slides/slide2.xml><?xml version="1.0" encoding="utf-8"?>
+<p:sld xmlns:a="http://schemas.openxmlformats.org/drawingml/2006/main" xmlns:r="http://schemas.openxmlformats.org/officeDocument/2006/relationships" xmlns:p="http://schemas.openxmlformats.org/presentationml/2006/main">
+  <p:cSld>
+    <p:spTree>
+      <p:nvGrpSpPr>
+        <p:cNvPr id="1" name=""/>
+        <p:cNvGrpSpPr/>
+        <p:nvPr/>
+      </p:nvGrpSpPr>
+      <p:grpSpPr>
+        <a:xfrm>
+          <a:off x="0" y="0"/>
+          <a:ext cx="0" cy="0"/>
+          <a:chOff x="0" y="0"/>
+          <a:chExt cx="0" cy="0"/>
+        </a:xfrm>
+      </p:grpSpPr>
+      <p:sp>
+        <p:nvSpPr>
+          <p:cNvPr id="2" name="Заголовок 1">
+            <a:extLst>
+              <a:ext uri="{FF2B5EF4-FFF2-40B4-BE49-F238E27FC236}">
+                <a16:creationId xmlns:a16="http://schemas.microsoft.com/office/drawing/2014/main" id="{E117F7C5-CBA2-9823-0CBA-5BD773998046}"/>
+              </a:ext>
+            </a:extLst>
+          </p:cNvPr>
+          <p:cNvSpPr>
+            <a:spLocks noGrp="1"/>
+          </p:cNvSpPr>
+          <p:nvPr>
+            <p:ph type="title"/>
+          </p:nvPr>
+        </p:nvSpPr>
+        <p:spPr>
+          <a:xfrm>
+            <a:off x="321869" y="579120"/>
+            <a:ext cx="11548261" cy="2733306"/>
+          </a:xfrm>
+        </p:spPr>
+        <p:txBody>
+          <a:bodyPr rtlCol="0"/>
+          <a:lstStyle>
+            <a:defPPr>
+              <a:defRPr lang="ru-RU"/>
+            </a:defPPr>
+          </a:lstStyle>
+          <a:p>
+            <a:pPr rtl="0"/>
+            <a:r>
+              <a:rPr lang="ru-RU" dirty="0"/>
+              <a:t>Почему</a:t>
+            </a:r>
+          </a:p>
+        </p:txBody>
+      </p:sp>
+      <p:sp>
+        <p:nvSpPr>
+          <p:cNvPr id="4" name="Подзаголовок 3">
+            <a:extLst>
+              <a:ext uri="{FF2B5EF4-FFF2-40B4-BE49-F238E27FC236}">
+                <a16:creationId xmlns:a16="http://schemas.microsoft.com/office/drawing/2014/main" id="{260D053B-A40A-3228-B6D5-3371B9EE2E56}"/>
+              </a:ext>
+            </a:extLst>
+          </p:cNvPr>
+          <p:cNvSpPr>
+            <a:spLocks noGrp="1"/>
+          </p:cNvSpPr>
+          <p:nvPr>
+            <p:ph type="subTitle" idx="1"/>
+          </p:nvPr>
+        </p:nvSpPr>
+        <p:spPr>
+          <a:xfrm>
+            <a:off x="321868" y="3484615"/>
+            <a:ext cx="11562303" cy="2387865"/>
+          </a:xfrm>
+        </p:spPr>
+        <p:txBody>
+          <a:bodyPr rtlCol="0"/>
+          <a:lstStyle>
+            <a:defPPr>
+              <a:defRPr lang="ru-RU"/>
+            </a:defPPr>
+          </a:lstStyle>
+          <a:p>
+            <a:pPr rtl="0"/>
+            <a:r>
+              <a:rPr lang="ru-RU" dirty="0" err="1"/>
+              <a:t>Телеграм</a:t>
+            </a:r>
+            <a:r>
+              <a:rPr lang="ru-RU" dirty="0"/>
+              <a:t>?</a:t>
+            </a:r>
+          </a:p>
+        </p:txBody>
+      </p:sp>
+      <p:sp>
+        <p:nvSpPr>
+          <p:cNvPr id="3" name="Номер слайда 2">
+            <a:extLst>
+              <a:ext uri="{FF2B5EF4-FFF2-40B4-BE49-F238E27FC236}">
+                <a16:creationId xmlns:a16="http://schemas.microsoft.com/office/drawing/2014/main" id="{A6A971A9-0C5C-DDFC-67F9-2E5A55F12F67}"/>
+              </a:ext>
+            </a:extLst>
+          </p:cNvPr>
+          <p:cNvSpPr>
+            <a:spLocks noGrp="1"/>
+          </p:cNvSpPr>
+          <p:nvPr>
+            <p:ph type="sldNum" sz="quarter" idx="12"/>
+          </p:nvPr>
+        </p:nvSpPr>
+        <p:spPr>
+          <a:xfrm>
+            <a:off x="9140971" y="6226198"/>
+            <a:ext cx="2743200" cy="365125"/>
+          </a:xfrm>
+        </p:spPr>
+        <p:txBody>
+          <a:bodyPr rtlCol="0"/>
+          <a:lstStyle>
+            <a:defPPr>
+              <a:defRPr lang="ru-RU"/>
+            </a:defPPr>
+          </a:lstStyle>
+          <a:p>
+            <a:pPr rtl="0"/>
+            <a:fld id="{FE024F78-56A6-7740-B68D-8D4D026EDF3F}" type="slidenum">
+              <a:rPr lang="ru-RU" smtClean="0"/>
+              <a:pPr rtl="0"/>
+              <a:t>2</a:t>
+            </a:fld>
+            <a:endParaRPr lang="ru-RU" dirty="0"/>
+          </a:p>
+        </p:txBody>
+      </p:sp>
+    </p:spTree>
+    <p:extLst>
+      <p:ext uri="{BB962C8B-B14F-4D97-AF65-F5344CB8AC3E}">
+        <p14:creationId xmlns:p14="http://schemas.microsoft.com/office/powerpoint/2010/main" val="950659463"/>
+      </p:ext>
+    </p:extLst>
+  </p:cSld>
+  <p:clrMapOvr>
+    <a:masterClrMapping/>
+  </p:clrMapOvr>
+</p:sld>
+</file>
+
+<file path=ppt/slides/slide3.xml><?xml version="1.0" encoding="utf-8"?>
 <p:sld xmlns:a="http://schemas.openxmlformats.org/drawingml/2006/main" xmlns:r="http://schemas.openxmlformats.org/officeDocument/2006/relationships" xmlns:p="http://schemas.openxmlformats.org/presentationml/2006/main">
   <p:cSld>
     <p:bg>
@@ -11413,7 +13880,7 @@
             <a:pPr rtl="0"/>
             <a:r>
               <a:rPr lang="ru-RU" dirty="0"/>
-              <a:t>функционал</a:t>
+              <a:t>Зачем вообще?</a:t>
             </a:r>
           </a:p>
         </p:txBody>
@@ -11451,35 +13918,14 @@
             <a:pPr rtl="0"/>
             <a:r>
               <a:rPr lang="ru-RU" dirty="0"/>
-              <a:t>Поиск и бронирование места</a:t>
+              <a:t>- Экономим время, силы, ресурсы</a:t>
             </a:r>
           </a:p>
           <a:p>
             <a:pPr rtl="0"/>
             <a:r>
               <a:rPr lang="ru-RU" dirty="0"/>
-              <a:t>Продуманный функционал с простым интерфейсом</a:t>
-            </a:r>
-          </a:p>
-          <a:p>
-            <a:pPr rtl="0"/>
-            <a:r>
-              <a:rPr lang="ru-RU" dirty="0"/>
-              <a:t>Система жизней (взамен кредитов)</a:t>
-            </a:r>
-          </a:p>
-          <a:p>
-            <a:pPr rtl="0"/>
-            <a:r>
-              <a:rPr lang="ru-RU" dirty="0"/>
-              <a:t>Интуитивный интерфейс</a:t>
-            </a:r>
-          </a:p>
-          <a:p>
-            <a:pPr rtl="0"/>
-            <a:r>
-              <a:rPr lang="ru-RU" dirty="0"/>
-              <a:t>Возможность автоматизации (через синхронизацию с системой пропуска)</a:t>
+              <a:t>- Легко использовать</a:t>
             </a:r>
           </a:p>
         </p:txBody>
@@ -11487,7 +13933,7 @@
     </p:spTree>
     <p:extLst>
       <p:ext uri="{BB962C8B-B14F-4D97-AF65-F5344CB8AC3E}">
-        <p14:creationId xmlns:p14="http://schemas.microsoft.com/office/powerpoint/2010/main" val="1460159330"/>
+        <p14:creationId xmlns:p14="http://schemas.microsoft.com/office/powerpoint/2010/main" val="884050564"/>
       </p:ext>
     </p:extLst>
   </p:cSld>
@@ -11497,7 +13943,540 @@
 </p:sld>
 </file>
 
-<file path=ppt/slides/slide3.xml><?xml version="1.0" encoding="utf-8"?>
+<file path=ppt/slides/slide4.xml><?xml version="1.0" encoding="utf-8"?>
+<p:sld xmlns:a="http://schemas.openxmlformats.org/drawingml/2006/main" xmlns:r="http://schemas.openxmlformats.org/officeDocument/2006/relationships" xmlns:p="http://schemas.openxmlformats.org/presentationml/2006/main">
+  <p:cSld>
+    <p:bg>
+      <p:bgPr>
+        <a:gradFill flip="none" rotWithShape="1">
+          <a:gsLst>
+            <a:gs pos="100000">
+              <a:schemeClr val="tx2"/>
+            </a:gs>
+            <a:gs pos="81000">
+              <a:schemeClr val="accent6"/>
+            </a:gs>
+            <a:gs pos="55000">
+              <a:srgbClr val="02090E"/>
+            </a:gs>
+            <a:gs pos="14000">
+              <a:schemeClr val="accent4">
+                <a:lumMod val="75000"/>
+              </a:schemeClr>
+            </a:gs>
+            <a:gs pos="0">
+              <a:schemeClr val="accent4"/>
+            </a:gs>
+          </a:gsLst>
+          <a:lin ang="2700000" scaled="1"/>
+          <a:tileRect/>
+        </a:gradFill>
+        <a:effectLst/>
+      </p:bgPr>
+    </p:bg>
+    <p:spTree>
+      <p:nvGrpSpPr>
+        <p:cNvPr id="1" name=""/>
+        <p:cNvGrpSpPr/>
+        <p:nvPr/>
+      </p:nvGrpSpPr>
+      <p:grpSpPr>
+        <a:xfrm>
+          <a:off x="0" y="0"/>
+          <a:ext cx="0" cy="0"/>
+          <a:chOff x="0" y="0"/>
+          <a:chExt cx="0" cy="0"/>
+        </a:xfrm>
+      </p:grpSpPr>
+      <p:sp>
+        <p:nvSpPr>
+          <p:cNvPr id="7" name="Заголовок 6">
+            <a:extLst>
+              <a:ext uri="{FF2B5EF4-FFF2-40B4-BE49-F238E27FC236}">
+                <a16:creationId xmlns:a16="http://schemas.microsoft.com/office/drawing/2014/main" id="{1A2458FF-0D0C-4ACC-C6FB-103BC0BADCCD}"/>
+              </a:ext>
+            </a:extLst>
+          </p:cNvPr>
+          <p:cNvSpPr>
+            <a:spLocks noGrp="1"/>
+          </p:cNvSpPr>
+          <p:nvPr>
+            <p:ph type="title"/>
+          </p:nvPr>
+        </p:nvSpPr>
+        <p:spPr>
+          <a:xfrm>
+            <a:off x="838201" y="365125"/>
+            <a:ext cx="4466502" cy="1936866"/>
+          </a:xfrm>
+        </p:spPr>
+        <p:txBody>
+          <a:bodyPr rtlCol="0"/>
+          <a:lstStyle>
+            <a:defPPr>
+              <a:defRPr lang="ru-RU"/>
+            </a:defPPr>
+          </a:lstStyle>
+          <a:p>
+            <a:pPr rtl="0"/>
+            <a:r>
+              <a:rPr lang="ru-RU" dirty="0"/>
+              <a:t>Чуть подробнее</a:t>
+            </a:r>
+          </a:p>
+        </p:txBody>
+      </p:sp>
+      <p:sp>
+        <p:nvSpPr>
+          <p:cNvPr id="31" name="Текст 3">
+            <a:extLst>
+              <a:ext uri="{FF2B5EF4-FFF2-40B4-BE49-F238E27FC236}">
+                <a16:creationId xmlns:a16="http://schemas.microsoft.com/office/drawing/2014/main" id="{F1239C0E-3F39-787D-0FC3-6B7C9BA37E8F}"/>
+              </a:ext>
+            </a:extLst>
+          </p:cNvPr>
+          <p:cNvSpPr>
+            <a:spLocks noGrp="1"/>
+          </p:cNvSpPr>
+          <p:nvPr>
+            <p:ph sz="quarter" idx="10"/>
+          </p:nvPr>
+        </p:nvSpPr>
+        <p:spPr>
+          <a:xfrm>
+            <a:off x="838201" y="3097848"/>
+            <a:ext cx="4466504" cy="3405187"/>
+          </a:xfrm>
+        </p:spPr>
+        <p:txBody>
+          <a:bodyPr rtlCol="0" anchor="t"/>
+          <a:lstStyle>
+            <a:defPPr>
+              <a:defRPr lang="ru-RU"/>
+            </a:defPPr>
+          </a:lstStyle>
+          <a:p>
+            <a:pPr rtl="0"/>
+            <a:r>
+              <a:rPr lang="ru-RU" dirty="0"/>
+              <a:t>+ Есть у множества пользователей;</a:t>
+            </a:r>
+          </a:p>
+          <a:p>
+            <a:pPr rtl="0"/>
+            <a:r>
+              <a:rPr lang="ru-RU" dirty="0"/>
+              <a:t>+ Не тратим ресурсы на фронт. У ТГ своя поддержка. Делаем только </a:t>
+            </a:r>
+            <a:r>
+              <a:rPr lang="en-US" dirty="0"/>
+              <a:t>backend</a:t>
+            </a:r>
+            <a:r>
+              <a:rPr lang="ru-RU" dirty="0"/>
+              <a:t>;</a:t>
+            </a:r>
+          </a:p>
+          <a:p>
+            <a:pPr rtl="0"/>
+            <a:r>
+              <a:rPr lang="ru-RU" dirty="0"/>
+              <a:t>+ Интуитивно-понятный интерфейс;</a:t>
+            </a:r>
+          </a:p>
+          <a:p>
+            <a:pPr rtl="0"/>
+            <a:r>
+              <a:rPr lang="ru-RU" dirty="0"/>
+              <a:t>+ Легко установить;</a:t>
+            </a:r>
+          </a:p>
+          <a:p>
+            <a:pPr rtl="0"/>
+            <a:r>
+              <a:rPr lang="ru-RU" dirty="0"/>
+              <a:t>+ Бесплатен</a:t>
+            </a:r>
+          </a:p>
+        </p:txBody>
+      </p:sp>
+    </p:spTree>
+    <p:extLst>
+      <p:ext uri="{BB962C8B-B14F-4D97-AF65-F5344CB8AC3E}">
+        <p14:creationId xmlns:p14="http://schemas.microsoft.com/office/powerpoint/2010/main" val="1827090020"/>
+      </p:ext>
+    </p:extLst>
+  </p:cSld>
+  <p:clrMapOvr>
+    <a:masterClrMapping/>
+  </p:clrMapOvr>
+</p:sld>
+</file>
+
+<file path=ppt/slides/slide5.xml><?xml version="1.0" encoding="utf-8"?>
+<p:sld xmlns:a="http://schemas.openxmlformats.org/drawingml/2006/main" xmlns:r="http://schemas.openxmlformats.org/officeDocument/2006/relationships" xmlns:p="http://schemas.openxmlformats.org/presentationml/2006/main">
+  <p:cSld>
+    <p:bg>
+      <p:bgPr>
+        <a:gradFill flip="none" rotWithShape="1">
+          <a:gsLst>
+            <a:gs pos="100000">
+              <a:schemeClr val="tx2"/>
+            </a:gs>
+            <a:gs pos="81000">
+              <a:schemeClr val="accent6"/>
+            </a:gs>
+            <a:gs pos="55000">
+              <a:srgbClr val="02090E"/>
+            </a:gs>
+            <a:gs pos="14000">
+              <a:schemeClr val="accent4">
+                <a:lumMod val="75000"/>
+              </a:schemeClr>
+            </a:gs>
+            <a:gs pos="0">
+              <a:schemeClr val="accent4"/>
+            </a:gs>
+          </a:gsLst>
+          <a:lin ang="2700000" scaled="1"/>
+          <a:tileRect/>
+        </a:gradFill>
+        <a:effectLst/>
+      </p:bgPr>
+    </p:bg>
+    <p:spTree>
+      <p:nvGrpSpPr>
+        <p:cNvPr id="1" name=""/>
+        <p:cNvGrpSpPr/>
+        <p:nvPr/>
+      </p:nvGrpSpPr>
+      <p:grpSpPr>
+        <a:xfrm>
+          <a:off x="0" y="0"/>
+          <a:ext cx="0" cy="0"/>
+          <a:chOff x="0" y="0"/>
+          <a:chExt cx="0" cy="0"/>
+        </a:xfrm>
+      </p:grpSpPr>
+      <p:sp>
+        <p:nvSpPr>
+          <p:cNvPr id="7" name="Заголовок 6">
+            <a:extLst>
+              <a:ext uri="{FF2B5EF4-FFF2-40B4-BE49-F238E27FC236}">
+                <a16:creationId xmlns:a16="http://schemas.microsoft.com/office/drawing/2014/main" id="{1A2458FF-0D0C-4ACC-C6FB-103BC0BADCCD}"/>
+              </a:ext>
+            </a:extLst>
+          </p:cNvPr>
+          <p:cNvSpPr>
+            <a:spLocks noGrp="1"/>
+          </p:cNvSpPr>
+          <p:nvPr>
+            <p:ph type="title"/>
+          </p:nvPr>
+        </p:nvSpPr>
+        <p:spPr>
+          <a:xfrm>
+            <a:off x="838201" y="365125"/>
+            <a:ext cx="4466502" cy="1936866"/>
+          </a:xfrm>
+        </p:spPr>
+        <p:txBody>
+          <a:bodyPr rtlCol="0"/>
+          <a:lstStyle>
+            <a:defPPr>
+              <a:defRPr lang="ru-RU"/>
+            </a:defPPr>
+          </a:lstStyle>
+          <a:p>
+            <a:pPr rtl="0"/>
+            <a:r>
+              <a:rPr lang="ru-RU" dirty="0"/>
+              <a:t>Примеры больших проектов</a:t>
+            </a:r>
+          </a:p>
+        </p:txBody>
+      </p:sp>
+      <p:sp>
+        <p:nvSpPr>
+          <p:cNvPr id="31" name="Текст 3">
+            <a:extLst>
+              <a:ext uri="{FF2B5EF4-FFF2-40B4-BE49-F238E27FC236}">
+                <a16:creationId xmlns:a16="http://schemas.microsoft.com/office/drawing/2014/main" id="{F1239C0E-3F39-787D-0FC3-6B7C9BA37E8F}"/>
+              </a:ext>
+            </a:extLst>
+          </p:cNvPr>
+          <p:cNvSpPr>
+            <a:spLocks noGrp="1"/>
+          </p:cNvSpPr>
+          <p:nvPr>
+            <p:ph sz="quarter" idx="10"/>
+          </p:nvPr>
+        </p:nvSpPr>
+        <p:spPr>
+          <a:xfrm>
+            <a:off x="838201" y="3097848"/>
+            <a:ext cx="4466504" cy="3405187"/>
+          </a:xfrm>
+        </p:spPr>
+        <p:txBody>
+          <a:bodyPr rtlCol="0" anchor="t"/>
+          <a:lstStyle>
+            <a:defPPr>
+              <a:defRPr lang="ru-RU"/>
+            </a:defPPr>
+          </a:lstStyle>
+          <a:p>
+            <a:r>
+              <a:rPr lang="en-US" dirty="0"/>
+              <a:t>@edostavkabot</a:t>
+            </a:r>
+            <a:r>
+              <a:rPr lang="ru-RU" dirty="0"/>
+              <a:t> - СДЭК</a:t>
+            </a:r>
+          </a:p>
+          <a:p>
+            <a:r>
+              <a:rPr lang="en-US" dirty="0"/>
+              <a:t>@ibs_doc_bot</a:t>
+            </a:r>
+            <a:r>
+              <a:rPr lang="ru-RU" dirty="0"/>
+              <a:t> – медицина, диета</a:t>
+            </a:r>
+          </a:p>
+          <a:p>
+            <a:pPr rtl="0"/>
+            <a:r>
+              <a:rPr lang="en-US" dirty="0" err="1"/>
+              <a:t>tgEDA</a:t>
+            </a:r>
+            <a:r>
+              <a:rPr lang="en-US" dirty="0"/>
+              <a:t> </a:t>
+            </a:r>
+            <a:r>
+              <a:rPr lang="ru-RU" dirty="0"/>
+              <a:t>– доставка еды</a:t>
+            </a:r>
+          </a:p>
+          <a:p>
+            <a:pPr rtl="0"/>
+            <a:r>
+              <a:rPr lang="en-US" dirty="0"/>
+              <a:t>@TildaFormsBot</a:t>
+            </a:r>
+            <a:endParaRPr lang="ru-RU" dirty="0"/>
+          </a:p>
+        </p:txBody>
+      </p:sp>
+      <p:pic>
+        <p:nvPicPr>
+          <p:cNvPr id="3" name="Рисунок 2">
+            <a:extLst>
+              <a:ext uri="{FF2B5EF4-FFF2-40B4-BE49-F238E27FC236}">
+                <a16:creationId xmlns:a16="http://schemas.microsoft.com/office/drawing/2014/main" id="{9BFA3163-36DF-412D-9BF3-BDEBDB068EB0}"/>
+              </a:ext>
+            </a:extLst>
+          </p:cNvPr>
+          <p:cNvPicPr>
+            <a:picLocks noChangeAspect="1"/>
+          </p:cNvPicPr>
+          <p:nvPr/>
+        </p:nvPicPr>
+        <p:blipFill>
+          <a:blip r:embed="rId3"/>
+          <a:stretch>
+            <a:fillRect/>
+          </a:stretch>
+        </p:blipFill>
+        <p:spPr>
+          <a:xfrm>
+            <a:off x="3801954" y="1128691"/>
+            <a:ext cx="995514" cy="995514"/>
+          </a:xfrm>
+          <a:prstGeom prst="rect">
+            <a:avLst/>
+          </a:prstGeom>
+        </p:spPr>
+      </p:pic>
+    </p:spTree>
+    <p:extLst>
+      <p:ext uri="{BB962C8B-B14F-4D97-AF65-F5344CB8AC3E}">
+        <p14:creationId xmlns:p14="http://schemas.microsoft.com/office/powerpoint/2010/main" val="1323078232"/>
+      </p:ext>
+    </p:extLst>
+  </p:cSld>
+  <p:clrMapOvr>
+    <a:masterClrMapping/>
+  </p:clrMapOvr>
+</p:sld>
+</file>
+
+<file path=ppt/slides/slide6.xml><?xml version="1.0" encoding="utf-8"?>
+<p:sld xmlns:a="http://schemas.openxmlformats.org/drawingml/2006/main" xmlns:r="http://schemas.openxmlformats.org/officeDocument/2006/relationships" xmlns:p="http://schemas.openxmlformats.org/presentationml/2006/main">
+  <p:cSld>
+    <p:bg>
+      <p:bgPr>
+        <a:gradFill flip="none" rotWithShape="1">
+          <a:gsLst>
+            <a:gs pos="100000">
+              <a:schemeClr val="tx2"/>
+            </a:gs>
+            <a:gs pos="81000">
+              <a:schemeClr val="accent6"/>
+            </a:gs>
+            <a:gs pos="55000">
+              <a:srgbClr val="02090E"/>
+            </a:gs>
+            <a:gs pos="14000">
+              <a:schemeClr val="accent4">
+                <a:lumMod val="75000"/>
+              </a:schemeClr>
+            </a:gs>
+            <a:gs pos="0">
+              <a:schemeClr val="accent4"/>
+            </a:gs>
+          </a:gsLst>
+          <a:lin ang="2700000" scaled="1"/>
+          <a:tileRect/>
+        </a:gradFill>
+        <a:effectLst/>
+      </p:bgPr>
+    </p:bg>
+    <p:spTree>
+      <p:nvGrpSpPr>
+        <p:cNvPr id="1" name=""/>
+        <p:cNvGrpSpPr/>
+        <p:nvPr/>
+      </p:nvGrpSpPr>
+      <p:grpSpPr>
+        <a:xfrm>
+          <a:off x="0" y="0"/>
+          <a:ext cx="0" cy="0"/>
+          <a:chOff x="0" y="0"/>
+          <a:chExt cx="0" cy="0"/>
+        </a:xfrm>
+      </p:grpSpPr>
+      <p:sp>
+        <p:nvSpPr>
+          <p:cNvPr id="7" name="Заголовок 6">
+            <a:extLst>
+              <a:ext uri="{FF2B5EF4-FFF2-40B4-BE49-F238E27FC236}">
+                <a16:creationId xmlns:a16="http://schemas.microsoft.com/office/drawing/2014/main" id="{1A2458FF-0D0C-4ACC-C6FB-103BC0BADCCD}"/>
+              </a:ext>
+            </a:extLst>
+          </p:cNvPr>
+          <p:cNvSpPr>
+            <a:spLocks noGrp="1"/>
+          </p:cNvSpPr>
+          <p:nvPr>
+            <p:ph type="title"/>
+          </p:nvPr>
+        </p:nvSpPr>
+        <p:spPr>
+          <a:xfrm>
+            <a:off x="838201" y="365125"/>
+            <a:ext cx="4466502" cy="1936866"/>
+          </a:xfrm>
+        </p:spPr>
+        <p:txBody>
+          <a:bodyPr rtlCol="0"/>
+          <a:lstStyle>
+            <a:defPPr>
+              <a:defRPr lang="ru-RU"/>
+            </a:defPPr>
+          </a:lstStyle>
+          <a:p>
+            <a:pPr rtl="0"/>
+            <a:r>
+              <a:rPr lang="ru-RU" dirty="0"/>
+              <a:t>Примеры маленьких проектов</a:t>
+            </a:r>
+          </a:p>
+        </p:txBody>
+      </p:sp>
+      <p:sp>
+        <p:nvSpPr>
+          <p:cNvPr id="31" name="Текст 3">
+            <a:extLst>
+              <a:ext uri="{FF2B5EF4-FFF2-40B4-BE49-F238E27FC236}">
+                <a16:creationId xmlns:a16="http://schemas.microsoft.com/office/drawing/2014/main" id="{F1239C0E-3F39-787D-0FC3-6B7C9BA37E8F}"/>
+              </a:ext>
+            </a:extLst>
+          </p:cNvPr>
+          <p:cNvSpPr>
+            <a:spLocks noGrp="1"/>
+          </p:cNvSpPr>
+          <p:nvPr>
+            <p:ph sz="quarter" idx="10"/>
+          </p:nvPr>
+        </p:nvSpPr>
+        <p:spPr>
+          <a:xfrm>
+            <a:off x="838201" y="3097848"/>
+            <a:ext cx="4466504" cy="3405187"/>
+          </a:xfrm>
+        </p:spPr>
+        <p:txBody>
+          <a:bodyPr rtlCol="0" anchor="t"/>
+          <a:lstStyle>
+            <a:defPPr>
+              <a:defRPr lang="ru-RU"/>
+            </a:defPPr>
+          </a:lstStyle>
+          <a:p>
+            <a:r>
+              <a:rPr lang="ru-RU" dirty="0"/>
+              <a:t>Анна</a:t>
+            </a:r>
+          </a:p>
+        </p:txBody>
+      </p:sp>
+      <p:pic>
+        <p:nvPicPr>
+          <p:cNvPr id="3" name="Рисунок 2">
+            <a:extLst>
+              <a:ext uri="{FF2B5EF4-FFF2-40B4-BE49-F238E27FC236}">
+                <a16:creationId xmlns:a16="http://schemas.microsoft.com/office/drawing/2014/main" id="{12ED8B20-1DC9-4146-B0F6-A527921E9460}"/>
+              </a:ext>
+            </a:extLst>
+          </p:cNvPr>
+          <p:cNvPicPr>
+            <a:picLocks noChangeAspect="1"/>
+          </p:cNvPicPr>
+          <p:nvPr/>
+        </p:nvPicPr>
+        <p:blipFill>
+          <a:blip r:embed="rId3"/>
+          <a:stretch>
+            <a:fillRect/>
+          </a:stretch>
+        </p:blipFill>
+        <p:spPr>
+          <a:xfrm>
+            <a:off x="4227686" y="1162428"/>
+            <a:ext cx="1139563" cy="1139563"/>
+          </a:xfrm>
+          <a:prstGeom prst="rect">
+            <a:avLst/>
+          </a:prstGeom>
+        </p:spPr>
+      </p:pic>
+    </p:spTree>
+    <p:extLst>
+      <p:ext uri="{BB962C8B-B14F-4D97-AF65-F5344CB8AC3E}">
+        <p14:creationId xmlns:p14="http://schemas.microsoft.com/office/powerpoint/2010/main" val="3721505863"/>
+      </p:ext>
+    </p:extLst>
+  </p:cSld>
+  <p:clrMapOvr>
+    <a:masterClrMapping/>
+  </p:clrMapOvr>
+</p:sld>
+</file>
+
+<file path=ppt/slides/slide7.xml><?xml version="1.0" encoding="utf-8"?>
 <p:sld xmlns:a="http://schemas.openxmlformats.org/drawingml/2006/main" xmlns:r="http://schemas.openxmlformats.org/officeDocument/2006/relationships" xmlns:p="http://schemas.openxmlformats.org/presentationml/2006/main">
   <p:cSld>
     <p:spTree>
@@ -11624,7 +14603,7 @@
             <a:fld id="{FE024F78-56A6-7740-B68D-8D4D026EDF3F}" type="slidenum">
               <a:rPr lang="ru-RU" smtClean="0"/>
               <a:pPr rtl="0"/>
-              <a:t>3</a:t>
+              <a:t>7</a:t>
             </a:fld>
             <a:endParaRPr lang="ru-RU" dirty="0"/>
           </a:p>
@@ -11643,7 +14622,7 @@
 </p:sld>
 </file>
 
-<file path=ppt/slides/slide4.xml><?xml version="1.0" encoding="utf-8"?>
+<file path=ppt/slides/slide8.xml><?xml version="1.0" encoding="utf-8"?>
 <p:sld xmlns:a="http://schemas.openxmlformats.org/drawingml/2006/main" xmlns:r="http://schemas.openxmlformats.org/officeDocument/2006/relationships" xmlns:p="http://schemas.openxmlformats.org/presentationml/2006/main">
   <p:cSld>
     <p:spTree>
@@ -11776,7 +14755,7 @@
             <a:fld id="{FE024F78-56A6-7740-B68D-8D4D026EDF3F}" type="slidenum">
               <a:rPr lang="ru-RU" smtClean="0"/>
               <a:pPr rtl="0"/>
-              <a:t>4</a:t>
+              <a:t>8</a:t>
             </a:fld>
             <a:endParaRPr lang="ru-RU" dirty="0"/>
           </a:p>
@@ -11825,7 +14804,7 @@
 </p:sld>
 </file>
 
-<file path=ppt/slides/slide5.xml><?xml version="1.0" encoding="utf-8"?>
+<file path=ppt/slides/slide9.xml><?xml version="1.0" encoding="utf-8"?>
 <p:sld xmlns:a="http://schemas.openxmlformats.org/drawingml/2006/main" xmlns:r="http://schemas.openxmlformats.org/officeDocument/2006/relationships" xmlns:p="http://schemas.openxmlformats.org/presentationml/2006/main">
   <p:cSld>
     <p:spTree>
@@ -11958,7 +14937,7 @@
             <a:fld id="{FE024F78-56A6-7740-B68D-8D4D026EDF3F}" type="slidenum">
               <a:rPr lang="ru-RU" smtClean="0"/>
               <a:pPr rtl="0"/>
-              <a:t>5</a:t>
+              <a:t>9</a:t>
             </a:fld>
             <a:endParaRPr lang="ru-RU" dirty="0"/>
           </a:p>
@@ -11998,844 +14977,6 @@
     <p:extLst>
       <p:ext uri="{BB962C8B-B14F-4D97-AF65-F5344CB8AC3E}">
         <p14:creationId xmlns:p14="http://schemas.microsoft.com/office/powerpoint/2010/main" val="1530235833"/>
-      </p:ext>
-    </p:extLst>
-  </p:cSld>
-  <p:clrMapOvr>
-    <a:masterClrMapping/>
-  </p:clrMapOvr>
-</p:sld>
-</file>
-
-<file path=ppt/slides/slide6.xml><?xml version="1.0" encoding="utf-8"?>
-<p:sld xmlns:a="http://schemas.openxmlformats.org/drawingml/2006/main" xmlns:r="http://schemas.openxmlformats.org/officeDocument/2006/relationships" xmlns:p="http://schemas.openxmlformats.org/presentationml/2006/main">
-  <p:cSld>
-    <p:spTree>
-      <p:nvGrpSpPr>
-        <p:cNvPr id="1" name=""/>
-        <p:cNvGrpSpPr/>
-        <p:nvPr/>
-      </p:nvGrpSpPr>
-      <p:grpSpPr>
-        <a:xfrm>
-          <a:off x="0" y="0"/>
-          <a:ext cx="0" cy="0"/>
-          <a:chOff x="0" y="0"/>
-          <a:chExt cx="0" cy="0"/>
-        </a:xfrm>
-      </p:grpSpPr>
-      <p:sp>
-        <p:nvSpPr>
-          <p:cNvPr id="12" name="Прямоугольник 11">
-            <a:extLst>
-              <a:ext uri="{FF2B5EF4-FFF2-40B4-BE49-F238E27FC236}">
-                <a16:creationId xmlns:a16="http://schemas.microsoft.com/office/drawing/2014/main" id="{654F657A-65D2-46CF-943F-C94EDD2763E8}"/>
-              </a:ext>
-            </a:extLst>
-          </p:cNvPr>
-          <p:cNvSpPr/>
-          <p:nvPr/>
-        </p:nvSpPr>
-        <p:spPr>
-          <a:xfrm>
-            <a:off x="851770" y="2129425"/>
-            <a:ext cx="10390899" cy="4298093"/>
-          </a:xfrm>
-          <a:prstGeom prst="rect">
-            <a:avLst/>
-          </a:prstGeom>
-        </p:spPr>
-        <p:style>
-          <a:lnRef idx="2">
-            <a:schemeClr val="accent6"/>
-          </a:lnRef>
-          <a:fillRef idx="1">
-            <a:schemeClr val="lt1"/>
-          </a:fillRef>
-          <a:effectRef idx="0">
-            <a:schemeClr val="accent6"/>
-          </a:effectRef>
-          <a:fontRef idx="minor">
-            <a:schemeClr val="dk1"/>
-          </a:fontRef>
-        </p:style>
-        <p:txBody>
-          <a:bodyPr rtlCol="0" anchor="ctr"/>
-          <a:lstStyle/>
-          <a:p>
-            <a:pPr algn="ctr"/>
-            <a:endParaRPr lang="ru-RU"/>
-          </a:p>
-        </p:txBody>
-      </p:sp>
-      <p:sp>
-        <p:nvSpPr>
-          <p:cNvPr id="2" name="Заголовок 1">
-            <a:extLst>
-              <a:ext uri="{FF2B5EF4-FFF2-40B4-BE49-F238E27FC236}">
-                <a16:creationId xmlns:a16="http://schemas.microsoft.com/office/drawing/2014/main" id="{11883E06-8BEA-1DD3-D0D6-391C08880EBF}"/>
-              </a:ext>
-            </a:extLst>
-          </p:cNvPr>
-          <p:cNvSpPr>
-            <a:spLocks noGrp="1"/>
-          </p:cNvSpPr>
-          <p:nvPr>
-            <p:ph type="title"/>
-          </p:nvPr>
-        </p:nvSpPr>
-        <p:spPr>
-          <a:xfrm>
-            <a:off x="741680" y="430482"/>
-            <a:ext cx="10500989" cy="1327464"/>
-          </a:xfrm>
-        </p:spPr>
-        <p:txBody>
-          <a:bodyPr rtlCol="0"/>
-          <a:lstStyle>
-            <a:defPPr>
-              <a:defRPr lang="ru-RU"/>
-            </a:defPPr>
-          </a:lstStyle>
-          <a:p>
-            <a:pPr rtl="0"/>
-            <a:r>
-              <a:rPr lang="ru-RU" dirty="0"/>
-              <a:t>Функционал разграничения доступа</a:t>
-            </a:r>
-          </a:p>
-        </p:txBody>
-      </p:sp>
-      <p:sp>
-        <p:nvSpPr>
-          <p:cNvPr id="5" name="Номер слайда 4">
-            <a:extLst>
-              <a:ext uri="{FF2B5EF4-FFF2-40B4-BE49-F238E27FC236}">
-                <a16:creationId xmlns:a16="http://schemas.microsoft.com/office/drawing/2014/main" id="{E87B8B6A-2B28-5C38-80E7-0EBE705FFBBF}"/>
-              </a:ext>
-            </a:extLst>
-          </p:cNvPr>
-          <p:cNvSpPr>
-            <a:spLocks noGrp="1"/>
-          </p:cNvSpPr>
-          <p:nvPr>
-            <p:ph type="sldNum" sz="quarter" idx="12"/>
-          </p:nvPr>
-        </p:nvSpPr>
-        <p:spPr>
-          <a:xfrm>
-            <a:off x="9140971" y="6226198"/>
-            <a:ext cx="2743200" cy="365125"/>
-          </a:xfrm>
-        </p:spPr>
-        <p:txBody>
-          <a:bodyPr rtlCol="0"/>
-          <a:lstStyle>
-            <a:defPPr>
-              <a:defRPr lang="ru-RU"/>
-            </a:defPPr>
-          </a:lstStyle>
-          <a:p>
-            <a:pPr rtl="0"/>
-            <a:fld id="{FE024F78-56A6-7740-B68D-8D4D026EDF3F}" type="slidenum">
-              <a:rPr lang="ru-RU" smtClean="0"/>
-              <a:pPr rtl="0"/>
-              <a:t>6</a:t>
-            </a:fld>
-            <a:endParaRPr lang="ru-RU" dirty="0"/>
-          </a:p>
-        </p:txBody>
-      </p:sp>
-      <p:pic>
-        <p:nvPicPr>
-          <p:cNvPr id="6" name="Рисунок 5">
-            <a:extLst>
-              <a:ext uri="{FF2B5EF4-FFF2-40B4-BE49-F238E27FC236}">
-                <a16:creationId xmlns:a16="http://schemas.microsoft.com/office/drawing/2014/main" id="{9A12FE1B-70EF-457E-92D2-C248A0436B8D}"/>
-              </a:ext>
-            </a:extLst>
-          </p:cNvPr>
-          <p:cNvPicPr>
-            <a:picLocks noChangeAspect="1"/>
-          </p:cNvPicPr>
-          <p:nvPr/>
-        </p:nvPicPr>
-        <p:blipFill>
-          <a:blip r:embed="rId3"/>
-          <a:stretch>
-            <a:fillRect/>
-          </a:stretch>
-        </p:blipFill>
-        <p:spPr>
-          <a:xfrm>
-            <a:off x="3170547" y="3727842"/>
-            <a:ext cx="974715" cy="974715"/>
-          </a:xfrm>
-          <a:prstGeom prst="rect">
-            <a:avLst/>
-          </a:prstGeom>
-        </p:spPr>
-      </p:pic>
-      <p:pic>
-        <p:nvPicPr>
-          <p:cNvPr id="8" name="Рисунок 7">
-            <a:extLst>
-              <a:ext uri="{FF2B5EF4-FFF2-40B4-BE49-F238E27FC236}">
-                <a16:creationId xmlns:a16="http://schemas.microsoft.com/office/drawing/2014/main" id="{4148D09D-BA1B-4B8D-970B-F50378214C76}"/>
-              </a:ext>
-            </a:extLst>
-          </p:cNvPr>
-          <p:cNvPicPr>
-            <a:picLocks noChangeAspect="1"/>
-          </p:cNvPicPr>
-          <p:nvPr/>
-        </p:nvPicPr>
-        <p:blipFill>
-          <a:blip r:embed="rId3"/>
-          <a:stretch>
-            <a:fillRect/>
-          </a:stretch>
-        </p:blipFill>
-        <p:spPr>
-          <a:xfrm>
-            <a:off x="5289534" y="3727841"/>
-            <a:ext cx="974715" cy="974715"/>
-          </a:xfrm>
-          <a:prstGeom prst="rect">
-            <a:avLst/>
-          </a:prstGeom>
-        </p:spPr>
-      </p:pic>
-      <p:pic>
-        <p:nvPicPr>
-          <p:cNvPr id="9" name="Рисунок 8">
-            <a:extLst>
-              <a:ext uri="{FF2B5EF4-FFF2-40B4-BE49-F238E27FC236}">
-                <a16:creationId xmlns:a16="http://schemas.microsoft.com/office/drawing/2014/main" id="{F0C0486A-8001-431F-96DA-EE1738A840A0}"/>
-              </a:ext>
-            </a:extLst>
-          </p:cNvPr>
-          <p:cNvPicPr>
-            <a:picLocks noChangeAspect="1"/>
-          </p:cNvPicPr>
-          <p:nvPr/>
-        </p:nvPicPr>
-        <p:blipFill>
-          <a:blip r:embed="rId3"/>
-          <a:stretch>
-            <a:fillRect/>
-          </a:stretch>
-        </p:blipFill>
-        <p:spPr>
-          <a:xfrm>
-            <a:off x="7408521" y="3727842"/>
-            <a:ext cx="974715" cy="974715"/>
-          </a:xfrm>
-          <a:prstGeom prst="rect">
-            <a:avLst/>
-          </a:prstGeom>
-        </p:spPr>
-      </p:pic>
-      <p:pic>
-        <p:nvPicPr>
-          <p:cNvPr id="10" name="Рисунок 9">
-            <a:extLst>
-              <a:ext uri="{FF2B5EF4-FFF2-40B4-BE49-F238E27FC236}">
-                <a16:creationId xmlns:a16="http://schemas.microsoft.com/office/drawing/2014/main" id="{D3F3E939-AC85-45EA-833D-658C0D086863}"/>
-              </a:ext>
-            </a:extLst>
-          </p:cNvPr>
-          <p:cNvPicPr>
-            <a:picLocks noChangeAspect="1"/>
-          </p:cNvPicPr>
-          <p:nvPr/>
-        </p:nvPicPr>
-        <p:blipFill>
-          <a:blip r:embed="rId4"/>
-          <a:stretch>
-            <a:fillRect/>
-          </a:stretch>
-        </p:blipFill>
-        <p:spPr>
-          <a:xfrm>
-            <a:off x="2723207" y="4007667"/>
-            <a:ext cx="694890" cy="694890"/>
-          </a:xfrm>
-          <a:prstGeom prst="rect">
-            <a:avLst/>
-          </a:prstGeom>
-        </p:spPr>
-      </p:pic>
-    </p:spTree>
-    <p:extLst>
-      <p:ext uri="{BB962C8B-B14F-4D97-AF65-F5344CB8AC3E}">
-        <p14:creationId xmlns:p14="http://schemas.microsoft.com/office/powerpoint/2010/main" val="358683599"/>
-      </p:ext>
-    </p:extLst>
-  </p:cSld>
-  <p:clrMapOvr>
-    <a:masterClrMapping/>
-  </p:clrMapOvr>
-</p:sld>
-</file>
-
-<file path=ppt/slides/slide7.xml><?xml version="1.0" encoding="utf-8"?>
-<p:sld xmlns:a="http://schemas.openxmlformats.org/drawingml/2006/main" xmlns:r="http://schemas.openxmlformats.org/officeDocument/2006/relationships" xmlns:p="http://schemas.openxmlformats.org/presentationml/2006/main">
-  <p:cSld>
-    <p:spTree>
-      <p:nvGrpSpPr>
-        <p:cNvPr id="1" name=""/>
-        <p:cNvGrpSpPr/>
-        <p:nvPr/>
-      </p:nvGrpSpPr>
-      <p:grpSpPr>
-        <a:xfrm>
-          <a:off x="0" y="0"/>
-          <a:ext cx="0" cy="0"/>
-          <a:chOff x="0" y="0"/>
-          <a:chExt cx="0" cy="0"/>
-        </a:xfrm>
-      </p:grpSpPr>
-      <p:sp>
-        <p:nvSpPr>
-          <p:cNvPr id="2" name="Заголовок 1">
-            <a:extLst>
-              <a:ext uri="{FF2B5EF4-FFF2-40B4-BE49-F238E27FC236}">
-                <a16:creationId xmlns:a16="http://schemas.microsoft.com/office/drawing/2014/main" id="{E117F7C5-CBA2-9823-0CBA-5BD773998046}"/>
-              </a:ext>
-            </a:extLst>
-          </p:cNvPr>
-          <p:cNvSpPr>
-            <a:spLocks noGrp="1"/>
-          </p:cNvSpPr>
-          <p:nvPr>
-            <p:ph type="title"/>
-          </p:nvPr>
-        </p:nvSpPr>
-        <p:spPr>
-          <a:xfrm>
-            <a:off x="321869" y="579120"/>
-            <a:ext cx="11548261" cy="2733306"/>
-          </a:xfrm>
-        </p:spPr>
-        <p:txBody>
-          <a:bodyPr rtlCol="0"/>
-          <a:lstStyle>
-            <a:defPPr>
-              <a:defRPr lang="ru-RU"/>
-            </a:defPPr>
-          </a:lstStyle>
-          <a:p>
-            <a:pPr rtl="0"/>
-            <a:r>
-              <a:rPr lang="ru-RU" dirty="0"/>
-              <a:t>система</a:t>
-            </a:r>
-          </a:p>
-        </p:txBody>
-      </p:sp>
-      <p:sp>
-        <p:nvSpPr>
-          <p:cNvPr id="4" name="Подзаголовок 3">
-            <a:extLst>
-              <a:ext uri="{FF2B5EF4-FFF2-40B4-BE49-F238E27FC236}">
-                <a16:creationId xmlns:a16="http://schemas.microsoft.com/office/drawing/2014/main" id="{260D053B-A40A-3228-B6D5-3371B9EE2E56}"/>
-              </a:ext>
-            </a:extLst>
-          </p:cNvPr>
-          <p:cNvSpPr>
-            <a:spLocks noGrp="1"/>
-          </p:cNvSpPr>
-          <p:nvPr>
-            <p:ph type="subTitle" idx="1"/>
-          </p:nvPr>
-        </p:nvSpPr>
-        <p:spPr>
-          <a:xfrm>
-            <a:off x="321868" y="3484615"/>
-            <a:ext cx="11562303" cy="2387865"/>
-          </a:xfrm>
-        </p:spPr>
-        <p:txBody>
-          <a:bodyPr rtlCol="0"/>
-          <a:lstStyle>
-            <a:defPPr>
-              <a:defRPr lang="ru-RU"/>
-            </a:defPPr>
-          </a:lstStyle>
-          <a:p>
-            <a:pPr rtl="0"/>
-            <a:r>
-              <a:rPr lang="ru-RU" dirty="0"/>
-              <a:t>жизней</a:t>
-            </a:r>
-          </a:p>
-        </p:txBody>
-      </p:sp>
-      <p:sp>
-        <p:nvSpPr>
-          <p:cNvPr id="3" name="Номер слайда 2">
-            <a:extLst>
-              <a:ext uri="{FF2B5EF4-FFF2-40B4-BE49-F238E27FC236}">
-                <a16:creationId xmlns:a16="http://schemas.microsoft.com/office/drawing/2014/main" id="{A6A971A9-0C5C-DDFC-67F9-2E5A55F12F67}"/>
-              </a:ext>
-            </a:extLst>
-          </p:cNvPr>
-          <p:cNvSpPr>
-            <a:spLocks noGrp="1"/>
-          </p:cNvSpPr>
-          <p:nvPr>
-            <p:ph type="sldNum" sz="quarter" idx="12"/>
-          </p:nvPr>
-        </p:nvSpPr>
-        <p:spPr>
-          <a:xfrm>
-            <a:off x="9140971" y="6226198"/>
-            <a:ext cx="2743200" cy="365125"/>
-          </a:xfrm>
-        </p:spPr>
-        <p:txBody>
-          <a:bodyPr rtlCol="0"/>
-          <a:lstStyle>
-            <a:defPPr>
-              <a:defRPr lang="ru-RU"/>
-            </a:defPPr>
-          </a:lstStyle>
-          <a:p>
-            <a:pPr rtl="0"/>
-            <a:fld id="{FE024F78-56A6-7740-B68D-8D4D026EDF3F}" type="slidenum">
-              <a:rPr lang="ru-RU" smtClean="0"/>
-              <a:pPr rtl="0"/>
-              <a:t>7</a:t>
-            </a:fld>
-            <a:endParaRPr lang="ru-RU" dirty="0"/>
-          </a:p>
-        </p:txBody>
-      </p:sp>
-    </p:spTree>
-    <p:extLst>
-      <p:ext uri="{BB962C8B-B14F-4D97-AF65-F5344CB8AC3E}">
-        <p14:creationId xmlns:p14="http://schemas.microsoft.com/office/powerpoint/2010/main" val="2606246823"/>
-      </p:ext>
-    </p:extLst>
-  </p:cSld>
-  <p:clrMapOvr>
-    <a:masterClrMapping/>
-  </p:clrMapOvr>
-</p:sld>
-</file>
-
-<file path=ppt/slides/slide8.xml><?xml version="1.0" encoding="utf-8"?>
-<p:sld xmlns:a="http://schemas.openxmlformats.org/drawingml/2006/main" xmlns:r="http://schemas.openxmlformats.org/officeDocument/2006/relationships" xmlns:p="http://schemas.openxmlformats.org/presentationml/2006/main">
-  <p:cSld>
-    <p:spTree>
-      <p:nvGrpSpPr>
-        <p:cNvPr id="1" name=""/>
-        <p:cNvGrpSpPr/>
-        <p:nvPr/>
-      </p:nvGrpSpPr>
-      <p:grpSpPr>
-        <a:xfrm>
-          <a:off x="0" y="0"/>
-          <a:ext cx="0" cy="0"/>
-          <a:chOff x="0" y="0"/>
-          <a:chExt cx="0" cy="0"/>
-        </a:xfrm>
-      </p:grpSpPr>
-      <p:sp>
-        <p:nvSpPr>
-          <p:cNvPr id="2" name="Заголовок 1">
-            <a:extLst>
-              <a:ext uri="{FF2B5EF4-FFF2-40B4-BE49-F238E27FC236}">
-                <a16:creationId xmlns:a16="http://schemas.microsoft.com/office/drawing/2014/main" id="{D9F60903-003B-273E-3584-5312F76C3EF3}"/>
-              </a:ext>
-            </a:extLst>
-          </p:cNvPr>
-          <p:cNvSpPr>
-            <a:spLocks noGrp="1"/>
-          </p:cNvSpPr>
-          <p:nvPr>
-            <p:ph type="title"/>
-          </p:nvPr>
-        </p:nvSpPr>
-        <p:spPr>
-          <a:xfrm>
-            <a:off x="3305669" y="113097"/>
-            <a:ext cx="7420819" cy="1656304"/>
-          </a:xfrm>
-        </p:spPr>
-        <p:txBody>
-          <a:bodyPr rtlCol="0"/>
-          <a:lstStyle>
-            <a:defPPr>
-              <a:defRPr lang="ru-RU"/>
-            </a:defPPr>
-          </a:lstStyle>
-          <a:p>
-            <a:pPr rtl="0"/>
-            <a:r>
-              <a:rPr lang="ru-RU" dirty="0"/>
-              <a:t>3 жизни вместо 30 кредитов</a:t>
-            </a:r>
-          </a:p>
-        </p:txBody>
-      </p:sp>
-      <p:sp>
-        <p:nvSpPr>
-          <p:cNvPr id="4" name="Объект 3">
-            <a:extLst>
-              <a:ext uri="{FF2B5EF4-FFF2-40B4-BE49-F238E27FC236}">
-                <a16:creationId xmlns:a16="http://schemas.microsoft.com/office/drawing/2014/main" id="{74160DFF-2E7E-7A22-819A-C011020DFF01}"/>
-              </a:ext>
-            </a:extLst>
-          </p:cNvPr>
-          <p:cNvSpPr>
-            <a:spLocks noGrp="1"/>
-          </p:cNvSpPr>
-          <p:nvPr>
-            <p:ph sz="quarter" idx="31"/>
-          </p:nvPr>
-        </p:nvSpPr>
-        <p:spPr>
-          <a:xfrm>
-            <a:off x="3305669" y="2470150"/>
-            <a:ext cx="7420819" cy="4121173"/>
-          </a:xfrm>
-        </p:spPr>
-        <p:txBody>
-          <a:bodyPr rtlCol="0"/>
-          <a:lstStyle>
-            <a:defPPr>
-              <a:defRPr lang="ru-RU"/>
-            </a:defPPr>
-          </a:lstStyle>
-          <a:p>
-            <a:r>
-              <a:rPr lang="ru-RU" dirty="0"/>
-              <a:t>Система жизней предпочтительнее системы баллов, которые можно тратить, поскольку она более эффективно мотивирует соблюдение правил и предотвращает злоупотребления.  </a:t>
-            </a:r>
-          </a:p>
-          <a:p>
-            <a:r>
-              <a:rPr lang="ru-RU" dirty="0"/>
-              <a:t>Система баллов может привести к неконтролируемому накоплению "виртуального капитала" у нарушителей, создавая иллюзию «бесплатности» нарушения правил и, потенциально, понижая их мотивацию к корректному поведению.    </a:t>
-            </a:r>
-          </a:p>
-          <a:p>
-            <a:r>
-              <a:rPr lang="ru-RU" dirty="0"/>
-              <a:t>Более прозрачна и понятна, что снижает сложность разработки. </a:t>
-            </a:r>
-          </a:p>
-          <a:p>
-            <a:r>
-              <a:rPr lang="ru-RU" dirty="0"/>
-              <a:t>3 жизни на год. Администратор может увеличить на 1 за заслуги.</a:t>
-            </a:r>
-          </a:p>
-        </p:txBody>
-      </p:sp>
-      <p:sp>
-        <p:nvSpPr>
-          <p:cNvPr id="3" name="Номер слайда 2">
-            <a:extLst>
-              <a:ext uri="{FF2B5EF4-FFF2-40B4-BE49-F238E27FC236}">
-                <a16:creationId xmlns:a16="http://schemas.microsoft.com/office/drawing/2014/main" id="{64347AE7-D6A2-42FB-3D58-6297742FC352}"/>
-              </a:ext>
-            </a:extLst>
-          </p:cNvPr>
-          <p:cNvSpPr>
-            <a:spLocks noGrp="1"/>
-          </p:cNvSpPr>
-          <p:nvPr>
-            <p:ph type="sldNum" sz="quarter" idx="12"/>
-          </p:nvPr>
-        </p:nvSpPr>
-        <p:spPr>
-          <a:xfrm>
-            <a:off x="9140971" y="6226198"/>
-            <a:ext cx="2743200" cy="365125"/>
-          </a:xfrm>
-        </p:spPr>
-        <p:txBody>
-          <a:bodyPr rtlCol="0"/>
-          <a:lstStyle>
-            <a:defPPr>
-              <a:defRPr lang="ru-RU"/>
-            </a:defPPr>
-          </a:lstStyle>
-          <a:p>
-            <a:pPr rtl="0"/>
-            <a:fld id="{FE024F78-56A6-7740-B68D-8D4D026EDF3F}" type="slidenum">
-              <a:rPr lang="ru-RU" smtClean="0"/>
-              <a:pPr rtl="0"/>
-              <a:t>8</a:t>
-            </a:fld>
-            <a:endParaRPr lang="ru-RU" dirty="0"/>
-          </a:p>
-        </p:txBody>
-      </p:sp>
-    </p:spTree>
-    <p:extLst>
-      <p:ext uri="{BB962C8B-B14F-4D97-AF65-F5344CB8AC3E}">
-        <p14:creationId xmlns:p14="http://schemas.microsoft.com/office/powerpoint/2010/main" val="1962637282"/>
-      </p:ext>
-    </p:extLst>
-  </p:cSld>
-  <p:clrMapOvr>
-    <a:masterClrMapping/>
-  </p:clrMapOvr>
-</p:sld>
-</file>
-
-<file path=ppt/slides/slide9.xml><?xml version="1.0" encoding="utf-8"?>
-<p:sld xmlns:a="http://schemas.openxmlformats.org/drawingml/2006/main" xmlns:r="http://schemas.openxmlformats.org/officeDocument/2006/relationships" xmlns:p="http://schemas.openxmlformats.org/presentationml/2006/main">
-  <p:cSld>
-    <p:spTree>
-      <p:nvGrpSpPr>
-        <p:cNvPr id="1" name=""/>
-        <p:cNvGrpSpPr/>
-        <p:nvPr/>
-      </p:nvGrpSpPr>
-      <p:grpSpPr>
-        <a:xfrm>
-          <a:off x="0" y="0"/>
-          <a:ext cx="0" cy="0"/>
-          <a:chOff x="0" y="0"/>
-          <a:chExt cx="0" cy="0"/>
-        </a:xfrm>
-      </p:grpSpPr>
-      <p:sp>
-        <p:nvSpPr>
-          <p:cNvPr id="2" name="Заголовок 1">
-            <a:extLst>
-              <a:ext uri="{FF2B5EF4-FFF2-40B4-BE49-F238E27FC236}">
-                <a16:creationId xmlns:a16="http://schemas.microsoft.com/office/drawing/2014/main" id="{6CCA29A4-AAFD-04EE-0732-0671E83D5EF1}"/>
-              </a:ext>
-            </a:extLst>
-          </p:cNvPr>
-          <p:cNvSpPr>
-            <a:spLocks noGrp="1"/>
-          </p:cNvSpPr>
-          <p:nvPr>
-            <p:ph type="title"/>
-          </p:nvPr>
-        </p:nvSpPr>
-        <p:spPr>
-          <a:xfrm>
-            <a:off x="2399620" y="162560"/>
-            <a:ext cx="8843050" cy="1616904"/>
-          </a:xfrm>
-        </p:spPr>
-        <p:txBody>
-          <a:bodyPr rtlCol="0"/>
-          <a:lstStyle>
-            <a:defPPr>
-              <a:defRPr lang="ru-RU"/>
-            </a:defPPr>
-          </a:lstStyle>
-          <a:p>
-            <a:pPr rtl="0"/>
-            <a:r>
-              <a:rPr lang="ru-RU" dirty="0"/>
-              <a:t>Ключевые функции приложения</a:t>
-            </a:r>
-          </a:p>
-        </p:txBody>
-      </p:sp>
-      <p:sp>
-        <p:nvSpPr>
-          <p:cNvPr id="3" name="Объект 2">
-            <a:extLst>
-              <a:ext uri="{FF2B5EF4-FFF2-40B4-BE49-F238E27FC236}">
-                <a16:creationId xmlns:a16="http://schemas.microsoft.com/office/drawing/2014/main" id="{F09FEE91-E849-1CB0-9E51-A58B99C631C5}"/>
-              </a:ext>
-            </a:extLst>
-          </p:cNvPr>
-          <p:cNvSpPr>
-            <a:spLocks noGrp="1"/>
-          </p:cNvSpPr>
-          <p:nvPr>
-            <p:ph sz="quarter" idx="35"/>
-          </p:nvPr>
-        </p:nvSpPr>
-        <p:spPr>
-          <a:xfrm>
-            <a:off x="2373002" y="2474811"/>
-            <a:ext cx="4015098" cy="3528397"/>
-          </a:xfrm>
-        </p:spPr>
-        <p:txBody>
-          <a:bodyPr rtlCol="0"/>
-          <a:lstStyle>
-            <a:defPPr>
-              <a:defRPr lang="ru-RU"/>
-            </a:defPPr>
-          </a:lstStyle>
-          <a:p>
-            <a:pPr rtl="0"/>
-            <a:r>
-              <a:rPr lang="ru-RU" dirty="0"/>
-              <a:t>Возможности пользователя</a:t>
-            </a:r>
-          </a:p>
-          <a:p>
-            <a:pPr lvl="1" rtl="0"/>
-            <a:r>
-              <a:rPr lang="ru-RU" dirty="0"/>
-              <a:t>Поиск и бронирование парковочного места</a:t>
-            </a:r>
-          </a:p>
-          <a:p>
-            <a:pPr lvl="1" rtl="0"/>
-            <a:r>
-              <a:rPr lang="ru-RU" dirty="0"/>
-              <a:t>Отмена брони</a:t>
-            </a:r>
-          </a:p>
-          <a:p>
-            <a:pPr lvl="1" rtl="0"/>
-            <a:r>
-              <a:rPr lang="ru-RU" dirty="0"/>
-              <a:t>Просмотр имён коллег на занятых местах</a:t>
-            </a:r>
-          </a:p>
-        </p:txBody>
-      </p:sp>
-      <p:sp>
-        <p:nvSpPr>
-          <p:cNvPr id="4" name="Объект 3">
-            <a:extLst>
-              <a:ext uri="{FF2B5EF4-FFF2-40B4-BE49-F238E27FC236}">
-                <a16:creationId xmlns:a16="http://schemas.microsoft.com/office/drawing/2014/main" id="{9B774F1A-D233-C240-B22D-F82C6161FAC1}"/>
-              </a:ext>
-            </a:extLst>
-          </p:cNvPr>
-          <p:cNvSpPr>
-            <a:spLocks noGrp="1"/>
-          </p:cNvSpPr>
-          <p:nvPr>
-            <p:ph sz="quarter" idx="36"/>
-          </p:nvPr>
-        </p:nvSpPr>
-        <p:spPr>
-          <a:xfrm>
-            <a:off x="6995159" y="2474811"/>
-            <a:ext cx="4227332" cy="3528397"/>
-          </a:xfrm>
-        </p:spPr>
-        <p:txBody>
-          <a:bodyPr rtlCol="0"/>
-          <a:lstStyle>
-            <a:defPPr>
-              <a:defRPr lang="ru-RU"/>
-            </a:defPPr>
-          </a:lstStyle>
-          <a:p>
-            <a:r>
-              <a:rPr lang="ru-RU" dirty="0"/>
-              <a:t>Администратор большой.</a:t>
-            </a:r>
-          </a:p>
-          <a:p>
-            <a:pPr lvl="1" rtl="0"/>
-            <a:r>
-              <a:rPr lang="ru-RU" dirty="0"/>
-              <a:t>Смотреть статистику утилизации парковочных мест</a:t>
-            </a:r>
-          </a:p>
-          <a:p>
-            <a:pPr lvl="1" rtl="0"/>
-            <a:r>
-              <a:rPr lang="ru-RU" dirty="0"/>
-              <a:t>Добавление</a:t>
-            </a:r>
-            <a:r>
-              <a:rPr lang="en-US" dirty="0"/>
-              <a:t>/</a:t>
-            </a:r>
-            <a:r>
-              <a:rPr lang="ru-RU" dirty="0"/>
-              <a:t>удаление малых администраторов</a:t>
-            </a:r>
-          </a:p>
-          <a:p>
-            <a:pPr lvl="1" rtl="0"/>
-            <a:r>
-              <a:rPr lang="ru-RU" dirty="0"/>
-              <a:t>Изменение категории парковочного места</a:t>
-            </a:r>
-          </a:p>
-          <a:p>
-            <a:pPr lvl="1">
-              <a:buNone/>
-            </a:pPr>
-            <a:r>
-              <a:rPr lang="ru-RU" dirty="0"/>
-              <a:t>Администратор малый.</a:t>
-            </a:r>
-          </a:p>
-          <a:p>
-            <a:pPr lvl="1" rtl="0"/>
-            <a:r>
-              <a:rPr lang="ru-RU" dirty="0"/>
-              <a:t>Добавление</a:t>
-            </a:r>
-            <a:r>
-              <a:rPr lang="en-US" dirty="0"/>
-              <a:t>/</a:t>
-            </a:r>
-            <a:r>
-              <a:rPr lang="ru-RU" dirty="0"/>
-              <a:t>удаление пользователей</a:t>
-            </a:r>
-          </a:p>
-        </p:txBody>
-      </p:sp>
-      <p:sp>
-        <p:nvSpPr>
-          <p:cNvPr id="5" name="Номер слайда 4">
-            <a:extLst>
-              <a:ext uri="{FF2B5EF4-FFF2-40B4-BE49-F238E27FC236}">
-                <a16:creationId xmlns:a16="http://schemas.microsoft.com/office/drawing/2014/main" id="{23E23533-91C6-420C-B7D7-4977ACF73ACF}"/>
-              </a:ext>
-            </a:extLst>
-          </p:cNvPr>
-          <p:cNvSpPr>
-            <a:spLocks noGrp="1"/>
-          </p:cNvSpPr>
-          <p:nvPr>
-            <p:ph type="sldNum" sz="quarter" idx="12"/>
-          </p:nvPr>
-        </p:nvSpPr>
-        <p:spPr>
-          <a:xfrm>
-            <a:off x="9140971" y="6226198"/>
-            <a:ext cx="2743200" cy="365125"/>
-          </a:xfrm>
-        </p:spPr>
-        <p:txBody>
-          <a:bodyPr rtlCol="0"/>
-          <a:lstStyle>
-            <a:defPPr>
-              <a:defRPr lang="ru-RU"/>
-            </a:defPPr>
-          </a:lstStyle>
-          <a:p>
-            <a:pPr rtl="0"/>
-            <a:fld id="{FE024F78-56A6-7740-B68D-8D4D026EDF3F}" type="slidenum">
-              <a:rPr lang="ru-RU" smtClean="0"/>
-              <a:pPr rtl="0"/>
-              <a:t>9</a:t>
-            </a:fld>
-            <a:endParaRPr lang="ru-RU" dirty="0"/>
-          </a:p>
-        </p:txBody>
-      </p:sp>
-    </p:spTree>
-    <p:extLst>
-      <p:ext uri="{BB962C8B-B14F-4D97-AF65-F5344CB8AC3E}">
-        <p14:creationId xmlns:p14="http://schemas.microsoft.com/office/powerpoint/2010/main" val="1073601555"/>
       </p:ext>
     </p:extLst>
   </p:cSld>
